--- a/Poster/ProjectPAMPoster.pptx
+++ b/Poster/ProjectPAMPoster.pptx
@@ -5,7 +5,7 @@
     <p:sldMasterId id="2147483684" r:id="rId1"/>
   </p:sldMasterIdLst>
   <p:handoutMasterIdLst>
-    <p:handoutMasterId r:id="rId7"/>
+    <p:handoutMasterId r:id="rId18"/>
   </p:handoutMasterIdLst>
   <p:sldIdLst>
     <p:sldId id="256" r:id="rId2"/>
@@ -13,6 +13,17 @@
     <p:sldId id="258" r:id="rId4"/>
     <p:sldId id="259" r:id="rId5"/>
     <p:sldId id="260" r:id="rId6"/>
+    <p:sldId id="261" r:id="rId7"/>
+    <p:sldId id="262" r:id="rId8"/>
+    <p:sldId id="264" r:id="rId9"/>
+    <p:sldId id="265" r:id="rId10"/>
+    <p:sldId id="270" r:id="rId11"/>
+    <p:sldId id="266" r:id="rId12"/>
+    <p:sldId id="267" r:id="rId13"/>
+    <p:sldId id="263" r:id="rId14"/>
+    <p:sldId id="268" r:id="rId15"/>
+    <p:sldId id="269" r:id="rId16"/>
+    <p:sldId id="271" r:id="rId17"/>
   </p:sldIdLst>
   <p:sldSz cx="9144000" cy="6858000" type="screen4x3"/>
   <p:notesSz cx="9144000" cy="6858000"/>
@@ -111,7 +122,1424 @@
       </a:defRPr>
     </a:lvl9pPr>
   </p:defaultTextStyle>
+  <p:extLst>
+    <p:ext uri="{EFAFB233-063F-42B5-8137-9DF3F51BA10A}">
+      <p15:sldGuideLst xmlns:p15="http://schemas.microsoft.com/office/powerpoint/2012/main"/>
+    </p:ext>
+  </p:extLst>
 </p:presentation>
+</file>
+
+<file path=ppt/commentAuthors.xml><?xml version="1.0" encoding="utf-8"?>
+<p:cmAuthorLst xmlns:a="http://schemas.openxmlformats.org/drawingml/2006/main" xmlns:r="http://schemas.openxmlformats.org/officeDocument/2006/relationships" xmlns:p="http://schemas.openxmlformats.org/presentationml/2006/main">
+  <p:cmAuthor id="1" name="Chance" initials="C" lastIdx="1" clrIdx="0">
+    <p:extLst>
+      <p:ext uri="{19B8F6BF-5375-455C-9EA6-DF929625EA0E}">
+        <p15:presenceInfo xmlns:p15="http://schemas.microsoft.com/office/powerpoint/2012/main" userId="Chance" providerId="None"/>
+      </p:ext>
+    </p:extLst>
+  </p:cmAuthor>
+</p:cmAuthorLst>
+</file>
+
+<file path=ppt/charts/chart1.xml><?xml version="1.0" encoding="utf-8"?>
+<c:chartSpace xmlns:c="http://schemas.openxmlformats.org/drawingml/2006/chart" xmlns:a="http://schemas.openxmlformats.org/drawingml/2006/main" xmlns:r="http://schemas.openxmlformats.org/officeDocument/2006/relationships">
+  <c:date1904 val="0"/>
+  <c:lang val="en-US"/>
+  <c:roundedCorners val="0"/>
+  <mc:AlternateContent xmlns:mc="http://schemas.openxmlformats.org/markup-compatibility/2006">
+    <mc:Choice xmlns:c14="http://schemas.microsoft.com/office/drawing/2007/8/2/chart" Requires="c14">
+      <c14:style val="102"/>
+    </mc:Choice>
+    <mc:Fallback>
+      <c:style val="2"/>
+    </mc:Fallback>
+  </mc:AlternateContent>
+  <c:chart>
+    <c:title>
+      <c:tx>
+        <c:rich>
+          <a:bodyPr rot="0" spcFirstLastPara="1" vertOverflow="ellipsis" vert="horz" wrap="square" anchor="ctr" anchorCtr="1"/>
+          <a:lstStyle/>
+          <a:p>
+            <a:pPr>
+              <a:defRPr sz="1600" b="0" i="0" u="none" strike="noStrike" kern="1200" spc="0" baseline="0">
+                <a:solidFill>
+                  <a:schemeClr val="tx1">
+                    <a:lumMod val="65000"/>
+                    <a:lumOff val="35000"/>
+                  </a:schemeClr>
+                </a:solidFill>
+                <a:latin typeface="+mn-lt"/>
+                <a:ea typeface="+mn-ea"/>
+                <a:cs typeface="+mn-cs"/>
+              </a:defRPr>
+            </a:pPr>
+            <a:r>
+              <a:rPr lang="en-US" sz="1600"/>
+              <a:t>System</a:t>
+            </a:r>
+            <a:r>
+              <a:rPr lang="en-US" sz="1600" baseline="0"/>
+              <a:t> Cost with Respect to Area and Volume</a:t>
+            </a:r>
+            <a:endParaRPr lang="en-US" sz="1600"/>
+          </a:p>
+        </c:rich>
+      </c:tx>
+      <c:layout/>
+      <c:overlay val="0"/>
+      <c:spPr>
+        <a:noFill/>
+        <a:ln>
+          <a:noFill/>
+        </a:ln>
+        <a:effectLst/>
+      </c:spPr>
+      <c:txPr>
+        <a:bodyPr rot="0" spcFirstLastPara="1" vertOverflow="ellipsis" vert="horz" wrap="square" anchor="ctr" anchorCtr="1"/>
+        <a:lstStyle/>
+        <a:p>
+          <a:pPr>
+            <a:defRPr sz="1600" b="0" i="0" u="none" strike="noStrike" kern="1200" spc="0" baseline="0">
+              <a:solidFill>
+                <a:schemeClr val="tx1">
+                  <a:lumMod val="65000"/>
+                  <a:lumOff val="35000"/>
+                </a:schemeClr>
+              </a:solidFill>
+              <a:latin typeface="+mn-lt"/>
+              <a:ea typeface="+mn-ea"/>
+              <a:cs typeface="+mn-cs"/>
+            </a:defRPr>
+          </a:pPr>
+          <a:endParaRPr lang="en-US"/>
+        </a:p>
+      </c:txPr>
+    </c:title>
+    <c:autoTitleDeleted val="0"/>
+    <c:plotArea>
+      <c:layout/>
+      <c:bubbleChart>
+        <c:varyColors val="0"/>
+        <c:ser>
+          <c:idx val="0"/>
+          <c:order val="0"/>
+          <c:tx>
+            <c:strRef>
+              <c:f>Sheet1!$B$2</c:f>
+              <c:strCache>
+                <c:ptCount val="1"/>
+                <c:pt idx="0">
+                  <c:v>FDM</c:v>
+                </c:pt>
+              </c:strCache>
+            </c:strRef>
+          </c:tx>
+          <c:spPr>
+            <a:noFill/>
+            <a:ln w="38100">
+              <a:solidFill>
+                <a:srgbClr val="00B0F0"/>
+              </a:solidFill>
+            </a:ln>
+            <a:effectLst/>
+          </c:spPr>
+          <c:invertIfNegative val="0"/>
+          <c:xVal>
+            <c:numRef>
+              <c:f>Sheet1!$G$2:$G$21</c:f>
+              <c:numCache>
+                <c:formatCode>#,##0</c:formatCode>
+                <c:ptCount val="20"/>
+                <c:pt idx="0">
+                  <c:v>10411.967999999997</c:v>
+                </c:pt>
+                <c:pt idx="1">
+                  <c:v>9812.8835999999974</c:v>
+                </c:pt>
+                <c:pt idx="2">
+                  <c:v>70553.949389535599</c:v>
+                </c:pt>
+                <c:pt idx="3">
+                  <c:v>19354.799999999996</c:v>
+                </c:pt>
+                <c:pt idx="4">
+                  <c:v>51103.123599999999</c:v>
+                </c:pt>
+                <c:pt idx="5">
+                  <c:v>19516.089999999997</c:v>
+                </c:pt>
+                <c:pt idx="6">
+                  <c:v>19516.089999999997</c:v>
+                </c:pt>
+                <c:pt idx="7">
+                  <c:v>14251.5844</c:v>
+                </c:pt>
+                <c:pt idx="8">
+                  <c:v>51612.799999999996</c:v>
+                </c:pt>
+                <c:pt idx="9">
+                  <c:v>38588.632499999992</c:v>
+                </c:pt>
+                <c:pt idx="10">
+                  <c:v>92903.039999999979</c:v>
+                </c:pt>
+                <c:pt idx="11">
+                  <c:v>81522.417599999986</c:v>
+                </c:pt>
+                <c:pt idx="12">
+                  <c:v>41290.239999999998</c:v>
+                </c:pt>
+                <c:pt idx="13">
+                  <c:v>41290.239999999998</c:v>
+                </c:pt>
+                <c:pt idx="14">
+                  <c:v>45774.101999999992</c:v>
+                </c:pt>
+                <c:pt idx="15">
+                  <c:v>41290.239999999998</c:v>
+                </c:pt>
+                <c:pt idx="16">
+                  <c:v>61249.877499999995</c:v>
+                </c:pt>
+                <c:pt idx="17">
+                  <c:v>61161.167999999991</c:v>
+                </c:pt>
+                <c:pt idx="18">
+                  <c:v>60967.619999999995</c:v>
+                </c:pt>
+                <c:pt idx="19">
+                  <c:v>59516.009999999987</c:v>
+                </c:pt>
+              </c:numCache>
+            </c:numRef>
+          </c:xVal>
+          <c:yVal>
+            <c:numRef>
+              <c:f>Sheet1!$C$2:$C$21</c:f>
+              <c:numCache>
+                <c:formatCode>_("$"* #,##0.00_);_("$"* \(#,##0.00\);_("$"* "-"??_);_(@_)</c:formatCode>
+                <c:ptCount val="20"/>
+                <c:pt idx="0">
+                  <c:v>2199</c:v>
+                </c:pt>
+                <c:pt idx="1">
+                  <c:v>399</c:v>
+                </c:pt>
+                <c:pt idx="2">
+                  <c:v>900</c:v>
+                </c:pt>
+                <c:pt idx="3">
+                  <c:v>799</c:v>
+                </c:pt>
+                <c:pt idx="4">
+                  <c:v>2565</c:v>
+                </c:pt>
+                <c:pt idx="5">
+                  <c:v>1649</c:v>
+                </c:pt>
+                <c:pt idx="6">
+                  <c:v>1299</c:v>
+                </c:pt>
+                <c:pt idx="7">
+                  <c:v>899</c:v>
+                </c:pt>
+                <c:pt idx="8">
+                  <c:v>1949</c:v>
+                </c:pt>
+                <c:pt idx="9">
+                  <c:v>1549</c:v>
+                </c:pt>
+                <c:pt idx="10">
+                  <c:v>2295</c:v>
+                </c:pt>
+                <c:pt idx="11">
+                  <c:v>2195</c:v>
+                </c:pt>
+                <c:pt idx="12">
+                  <c:v>1299</c:v>
+                </c:pt>
+                <c:pt idx="13">
+                  <c:v>999</c:v>
+                </c:pt>
+                <c:pt idx="14">
+                  <c:v>1688</c:v>
+                </c:pt>
+                <c:pt idx="15">
+                  <c:v>799</c:v>
+                </c:pt>
+                <c:pt idx="16">
+                  <c:v>2195</c:v>
+                </c:pt>
+                <c:pt idx="17">
+                  <c:v>2399</c:v>
+                </c:pt>
+                <c:pt idx="18">
+                  <c:v>2500</c:v>
+                </c:pt>
+                <c:pt idx="19">
+                  <c:v>1399</c:v>
+                </c:pt>
+              </c:numCache>
+            </c:numRef>
+          </c:yVal>
+          <c:bubbleSize>
+            <c:numRef>
+              <c:f>Sheet1!$H$2:$H$21</c:f>
+              <c:numCache>
+                <c:formatCode>#,##0</c:formatCode>
+                <c:ptCount val="20"/>
+                <c:pt idx="0">
+                  <c:v>1613230.3219199993</c:v>
+                </c:pt>
+                <c:pt idx="1">
+                  <c:v>972064.24941599963</c:v>
+                </c:pt>
+                <c:pt idx="2">
+                  <c:v>12544492.201459428</c:v>
+                </c:pt>
+                <c:pt idx="3">
+                  <c:v>2458059.5999999996</c:v>
+                </c:pt>
+                <c:pt idx="4">
+                  <c:v>10513956.649463998</c:v>
+                </c:pt>
+                <c:pt idx="5">
+                  <c:v>2602470.6014999994</c:v>
+                </c:pt>
+                <c:pt idx="6">
+                  <c:v>2726397.7729999991</c:v>
+                </c:pt>
+                <c:pt idx="7">
+                  <c:v>1701354.145672</c:v>
+                </c:pt>
+                <c:pt idx="8">
+                  <c:v>12126427.359999998</c:v>
+                </c:pt>
+                <c:pt idx="9">
+                  <c:v>8821361.3894999977</c:v>
+                </c:pt>
+                <c:pt idx="10">
+                  <c:v>28316846.591999989</c:v>
+                </c:pt>
+                <c:pt idx="11">
+                  <c:v>20292560.188991997</c:v>
+                </c:pt>
+                <c:pt idx="12">
+                  <c:v>8390176.7679999992</c:v>
+                </c:pt>
+                <c:pt idx="13">
+                  <c:v>8390176.7679999992</c:v>
+                </c:pt>
+                <c:pt idx="14">
+                  <c:v>8022369.1165199978</c:v>
+                </c:pt>
+                <c:pt idx="15">
+                  <c:v>8390176.7679999992</c:v>
+                </c:pt>
+                <c:pt idx="16">
+                  <c:v>13612785.274374999</c:v>
+                </c:pt>
+                <c:pt idx="17">
+                  <c:v>10874455.670399997</c:v>
+                </c:pt>
+                <c:pt idx="18">
+                  <c:v>12078904.874399997</c:v>
+                </c:pt>
+                <c:pt idx="19">
+                  <c:v>11715726.568499997</c:v>
+                </c:pt>
+              </c:numCache>
+            </c:numRef>
+          </c:bubbleSize>
+          <c:bubble3D val="0"/>
+        </c:ser>
+        <c:ser>
+          <c:idx val="1"/>
+          <c:order val="1"/>
+          <c:tx>
+            <c:strRef>
+              <c:f>Sheet1!$B$22</c:f>
+              <c:strCache>
+                <c:ptCount val="1"/>
+                <c:pt idx="0">
+                  <c:v>PAM</c:v>
+                </c:pt>
+              </c:strCache>
+            </c:strRef>
+          </c:tx>
+          <c:spPr>
+            <a:noFill/>
+            <a:ln w="38100">
+              <a:solidFill>
+                <a:srgbClr val="00B050"/>
+              </a:solidFill>
+            </a:ln>
+            <a:effectLst/>
+          </c:spPr>
+          <c:invertIfNegative val="0"/>
+          <c:xVal>
+            <c:numRef>
+              <c:f>(Sheet1!$G$22,Sheet1!$G$24,Sheet1!$G$25,Sheet1!$G$26,Sheet1!$G$27)</c:f>
+              <c:numCache>
+                <c:formatCode>#,##0</c:formatCode>
+                <c:ptCount val="5"/>
+                <c:pt idx="0">
+                  <c:v>7741.9199999999983</c:v>
+                </c:pt>
+                <c:pt idx="1">
+                  <c:v>15490.291600000002</c:v>
+                </c:pt>
+                <c:pt idx="2">
+                  <c:v>1161</c:v>
+                </c:pt>
+                <c:pt idx="3">
+                  <c:v>2880</c:v>
+                </c:pt>
+                <c:pt idx="4">
+                  <c:v>4554</c:v>
+                </c:pt>
+              </c:numCache>
+            </c:numRef>
+          </c:xVal>
+          <c:yVal>
+            <c:numRef>
+              <c:f>(Sheet1!$C$22,Sheet1!$C$24,Sheet1!$C$25,Sheet1!$C$26,Sheet1!$C$27)</c:f>
+              <c:numCache>
+                <c:formatCode>_("$"* #,##0.00_);_("$"* \(#,##0.00\);_("$"* "-"??_);_(@_)</c:formatCode>
+                <c:ptCount val="5"/>
+                <c:pt idx="0">
+                  <c:v>3375</c:v>
+                </c:pt>
+                <c:pt idx="1">
+                  <c:v>3299</c:v>
+                </c:pt>
+                <c:pt idx="2">
+                  <c:v>1999</c:v>
+                </c:pt>
+                <c:pt idx="3">
+                  <c:v>499</c:v>
+                </c:pt>
+                <c:pt idx="4">
+                  <c:v>399</c:v>
+                </c:pt>
+              </c:numCache>
+            </c:numRef>
+          </c:yVal>
+          <c:bubbleSize>
+            <c:numRef>
+              <c:f>(Sheet1!$H$22,Sheet1!$H$24,Sheet1!$H$25,Sheet1!$H$26,Sheet1!$H$27)</c:f>
+              <c:numCache>
+                <c:formatCode>#,##0</c:formatCode>
+                <c:ptCount val="5"/>
+                <c:pt idx="0">
+                  <c:v>1597738.7399999995</c:v>
+                </c:pt>
+                <c:pt idx="1">
+                  <c:v>2557447.1431600004</c:v>
+                </c:pt>
+                <c:pt idx="2">
+                  <c:v>208980</c:v>
+                </c:pt>
+                <c:pt idx="3">
+                  <c:v>288000</c:v>
+                </c:pt>
+                <c:pt idx="4">
+                  <c:v>694160</c:v>
+                </c:pt>
+              </c:numCache>
+            </c:numRef>
+          </c:bubbleSize>
+          <c:bubble3D val="0"/>
+        </c:ser>
+        <c:ser>
+          <c:idx val="2"/>
+          <c:order val="2"/>
+          <c:tx>
+            <c:strRef>
+              <c:f>Sheet1!$A$23</c:f>
+              <c:strCache>
+                <c:ptCount val="1"/>
+                <c:pt idx="0">
+                  <c:v>Project PAM</c:v>
+                </c:pt>
+              </c:strCache>
+            </c:strRef>
+          </c:tx>
+          <c:spPr>
+            <a:solidFill>
+              <a:schemeClr val="accent4"/>
+            </a:solidFill>
+            <a:ln w="25400">
+              <a:solidFill>
+                <a:schemeClr val="accent4"/>
+              </a:solidFill>
+            </a:ln>
+            <a:effectLst/>
+          </c:spPr>
+          <c:invertIfNegative val="0"/>
+          <c:xVal>
+            <c:numRef>
+              <c:f>Sheet1!$G$23</c:f>
+              <c:numCache>
+                <c:formatCode>#,##0</c:formatCode>
+                <c:ptCount val="1"/>
+                <c:pt idx="0">
+                  <c:v>41472</c:v>
+                </c:pt>
+              </c:numCache>
+            </c:numRef>
+          </c:xVal>
+          <c:yVal>
+            <c:numRef>
+              <c:f>Sheet1!$C$23</c:f>
+              <c:numCache>
+                <c:formatCode>_("$"* #,##0.00_);_("$"* \(#,##0.00\);_("$"* "-"??_);_(@_)</c:formatCode>
+                <c:ptCount val="1"/>
+                <c:pt idx="0">
+                  <c:v>1000</c:v>
+                </c:pt>
+              </c:numCache>
+            </c:numRef>
+          </c:yVal>
+          <c:bubbleSize>
+            <c:numRef>
+              <c:f>Sheet1!$H$23</c:f>
+              <c:numCache>
+                <c:formatCode>#,##0</c:formatCode>
+                <c:ptCount val="1"/>
+                <c:pt idx="0">
+                  <c:v>8957952</c:v>
+                </c:pt>
+              </c:numCache>
+            </c:numRef>
+          </c:bubbleSize>
+          <c:bubble3D val="0"/>
+        </c:ser>
+        <c:dLbls>
+          <c:showLegendKey val="0"/>
+          <c:showVal val="0"/>
+          <c:showCatName val="0"/>
+          <c:showSerName val="0"/>
+          <c:showPercent val="0"/>
+          <c:showBubbleSize val="0"/>
+        </c:dLbls>
+        <c:bubbleScale val="100"/>
+        <c:showNegBubbles val="0"/>
+        <c:axId val="221118640"/>
+        <c:axId val="221122560"/>
+      </c:bubbleChart>
+      <c:valAx>
+        <c:axId val="221118640"/>
+        <c:scaling>
+          <c:orientation val="minMax"/>
+          <c:min val="0"/>
+        </c:scaling>
+        <c:delete val="0"/>
+        <c:axPos val="b"/>
+        <c:majorGridlines>
+          <c:spPr>
+            <a:ln w="9525" cap="flat" cmpd="sng" algn="ctr">
+              <a:solidFill>
+                <a:schemeClr val="tx1">
+                  <a:lumMod val="15000"/>
+                  <a:lumOff val="85000"/>
+                </a:schemeClr>
+              </a:solidFill>
+              <a:round/>
+            </a:ln>
+            <a:effectLst/>
+          </c:spPr>
+        </c:majorGridlines>
+        <c:title>
+          <c:tx>
+            <c:rich>
+              <a:bodyPr rot="0" spcFirstLastPara="1" vertOverflow="ellipsis" vert="horz" wrap="square" anchor="ctr" anchorCtr="1"/>
+              <a:lstStyle/>
+              <a:p>
+                <a:pPr>
+                  <a:defRPr sz="1600" b="0" i="0" u="none" strike="noStrike" kern="1200" baseline="0">
+                    <a:solidFill>
+                      <a:schemeClr val="tx1">
+                        <a:lumMod val="65000"/>
+                        <a:lumOff val="35000"/>
+                      </a:schemeClr>
+                    </a:solidFill>
+                    <a:latin typeface="+mn-lt"/>
+                    <a:ea typeface="+mn-ea"/>
+                    <a:cs typeface="+mn-cs"/>
+                  </a:defRPr>
+                </a:pPr>
+                <a:r>
+                  <a:rPr lang="en-US" sz="1600"/>
+                  <a:t>Build Area (mm</a:t>
+                </a:r>
+                <a:r>
+                  <a:rPr lang="en-US" sz="1600" baseline="30000"/>
+                  <a:t>2</a:t>
+                </a:r>
+                <a:r>
+                  <a:rPr lang="en-US" sz="1600"/>
+                  <a:t>)</a:t>
+                </a:r>
+              </a:p>
+            </c:rich>
+          </c:tx>
+          <c:layout/>
+          <c:overlay val="0"/>
+          <c:spPr>
+            <a:noFill/>
+            <a:ln>
+              <a:noFill/>
+            </a:ln>
+            <a:effectLst/>
+          </c:spPr>
+          <c:txPr>
+            <a:bodyPr rot="0" spcFirstLastPara="1" vertOverflow="ellipsis" vert="horz" wrap="square" anchor="ctr" anchorCtr="1"/>
+            <a:lstStyle/>
+            <a:p>
+              <a:pPr>
+                <a:defRPr sz="1600" b="0" i="0" u="none" strike="noStrike" kern="1200" baseline="0">
+                  <a:solidFill>
+                    <a:schemeClr val="tx1">
+                      <a:lumMod val="65000"/>
+                      <a:lumOff val="35000"/>
+                    </a:schemeClr>
+                  </a:solidFill>
+                  <a:latin typeface="+mn-lt"/>
+                  <a:ea typeface="+mn-ea"/>
+                  <a:cs typeface="+mn-cs"/>
+                </a:defRPr>
+              </a:pPr>
+              <a:endParaRPr lang="en-US"/>
+            </a:p>
+          </c:txPr>
+        </c:title>
+        <c:numFmt formatCode="#,##0" sourceLinked="1"/>
+        <c:majorTickMark val="none"/>
+        <c:minorTickMark val="none"/>
+        <c:tickLblPos val="nextTo"/>
+        <c:spPr>
+          <a:noFill/>
+          <a:ln>
+            <a:solidFill>
+              <a:schemeClr val="bg1">
+                <a:lumMod val="65000"/>
+              </a:schemeClr>
+            </a:solidFill>
+          </a:ln>
+          <a:effectLst/>
+        </c:spPr>
+        <c:txPr>
+          <a:bodyPr rot="-60000000" spcFirstLastPara="1" vertOverflow="ellipsis" vert="horz" wrap="square" anchor="ctr" anchorCtr="1"/>
+          <a:lstStyle/>
+          <a:p>
+            <a:pPr>
+              <a:defRPr sz="1600" b="0" i="0" u="none" strike="noStrike" kern="1200" baseline="0">
+                <a:solidFill>
+                  <a:schemeClr val="tx1">
+                    <a:lumMod val="65000"/>
+                    <a:lumOff val="35000"/>
+                  </a:schemeClr>
+                </a:solidFill>
+                <a:latin typeface="+mn-lt"/>
+                <a:ea typeface="+mn-ea"/>
+                <a:cs typeface="+mn-cs"/>
+              </a:defRPr>
+            </a:pPr>
+            <a:endParaRPr lang="en-US"/>
+          </a:p>
+        </c:txPr>
+        <c:crossAx val="221122560"/>
+        <c:crosses val="autoZero"/>
+        <c:crossBetween val="midCat"/>
+      </c:valAx>
+      <c:valAx>
+        <c:axId val="221122560"/>
+        <c:scaling>
+          <c:orientation val="minMax"/>
+          <c:max val="3500"/>
+          <c:min val="0"/>
+        </c:scaling>
+        <c:delete val="0"/>
+        <c:axPos val="l"/>
+        <c:majorGridlines>
+          <c:spPr>
+            <a:ln w="9525" cap="flat" cmpd="sng" algn="ctr">
+              <a:solidFill>
+                <a:schemeClr val="tx1">
+                  <a:lumMod val="15000"/>
+                  <a:lumOff val="85000"/>
+                </a:schemeClr>
+              </a:solidFill>
+              <a:round/>
+            </a:ln>
+            <a:effectLst/>
+          </c:spPr>
+        </c:majorGridlines>
+        <c:title>
+          <c:tx>
+            <c:rich>
+              <a:bodyPr rot="-5400000" spcFirstLastPara="1" vertOverflow="ellipsis" vert="horz" wrap="square" anchor="ctr" anchorCtr="1"/>
+              <a:lstStyle/>
+              <a:p>
+                <a:pPr>
+                  <a:defRPr sz="1600" b="0" i="0" u="none" strike="noStrike" kern="1200" baseline="0">
+                    <a:solidFill>
+                      <a:schemeClr val="tx1">
+                        <a:lumMod val="65000"/>
+                        <a:lumOff val="35000"/>
+                      </a:schemeClr>
+                    </a:solidFill>
+                    <a:latin typeface="+mn-lt"/>
+                    <a:ea typeface="+mn-ea"/>
+                    <a:cs typeface="+mn-cs"/>
+                  </a:defRPr>
+                </a:pPr>
+                <a:r>
+                  <a:rPr lang="en-US" sz="1600"/>
+                  <a:t>Cost</a:t>
+                </a:r>
+                <a:r>
+                  <a:rPr lang="en-US" sz="1600" baseline="0"/>
+                  <a:t> ($)</a:t>
+                </a:r>
+                <a:endParaRPr lang="en-US" sz="1600"/>
+              </a:p>
+            </c:rich>
+          </c:tx>
+          <c:layout/>
+          <c:overlay val="0"/>
+          <c:spPr>
+            <a:noFill/>
+            <a:ln>
+              <a:noFill/>
+            </a:ln>
+            <a:effectLst/>
+          </c:spPr>
+          <c:txPr>
+            <a:bodyPr rot="-5400000" spcFirstLastPara="1" vertOverflow="ellipsis" vert="horz" wrap="square" anchor="ctr" anchorCtr="1"/>
+            <a:lstStyle/>
+            <a:p>
+              <a:pPr>
+                <a:defRPr sz="1600" b="0" i="0" u="none" strike="noStrike" kern="1200" baseline="0">
+                  <a:solidFill>
+                    <a:schemeClr val="tx1">
+                      <a:lumMod val="65000"/>
+                      <a:lumOff val="35000"/>
+                    </a:schemeClr>
+                  </a:solidFill>
+                  <a:latin typeface="+mn-lt"/>
+                  <a:ea typeface="+mn-ea"/>
+                  <a:cs typeface="+mn-cs"/>
+                </a:defRPr>
+              </a:pPr>
+              <a:endParaRPr lang="en-US"/>
+            </a:p>
+          </c:txPr>
+        </c:title>
+        <c:numFmt formatCode="_(&quot;$&quot;* #,##0_);_(&quot;$&quot;* \(#,##0\);_(&quot;$&quot;* &quot;-&quot;_);_(@_)" sourceLinked="0"/>
+        <c:majorTickMark val="none"/>
+        <c:minorTickMark val="none"/>
+        <c:tickLblPos val="nextTo"/>
+        <c:spPr>
+          <a:noFill/>
+          <a:ln>
+            <a:solidFill>
+              <a:schemeClr val="bg1">
+                <a:lumMod val="65000"/>
+              </a:schemeClr>
+            </a:solidFill>
+          </a:ln>
+          <a:effectLst/>
+        </c:spPr>
+        <c:txPr>
+          <a:bodyPr rot="-60000000" spcFirstLastPara="1" vertOverflow="ellipsis" vert="horz" wrap="square" anchor="ctr" anchorCtr="1"/>
+          <a:lstStyle/>
+          <a:p>
+            <a:pPr>
+              <a:defRPr sz="1600" b="0" i="0" u="none" strike="noStrike" kern="1200" baseline="0">
+                <a:solidFill>
+                  <a:schemeClr val="tx1">
+                    <a:lumMod val="65000"/>
+                    <a:lumOff val="35000"/>
+                  </a:schemeClr>
+                </a:solidFill>
+                <a:latin typeface="+mn-lt"/>
+                <a:ea typeface="+mn-ea"/>
+                <a:cs typeface="+mn-cs"/>
+              </a:defRPr>
+            </a:pPr>
+            <a:endParaRPr lang="en-US"/>
+          </a:p>
+        </c:txPr>
+        <c:crossAx val="221118640"/>
+        <c:crosses val="autoZero"/>
+        <c:crossBetween val="midCat"/>
+      </c:valAx>
+      <c:spPr>
+        <a:noFill/>
+        <a:ln>
+          <a:noFill/>
+        </a:ln>
+        <a:effectLst/>
+      </c:spPr>
+    </c:plotArea>
+    <c:legend>
+      <c:legendPos val="r"/>
+      <c:layout>
+        <c:manualLayout>
+          <c:xMode val="edge"/>
+          <c:yMode val="edge"/>
+          <c:x val="0.80156184031668198"/>
+          <c:y val="0.10487643491113739"/>
+          <c:w val="0.19843815968331802"/>
+          <c:h val="0.15200665107292949"/>
+        </c:manualLayout>
+      </c:layout>
+      <c:overlay val="1"/>
+      <c:spPr>
+        <a:noFill/>
+        <a:ln>
+          <a:noFill/>
+        </a:ln>
+        <a:effectLst/>
+      </c:spPr>
+      <c:txPr>
+        <a:bodyPr rot="0" spcFirstLastPara="1" vertOverflow="ellipsis" vert="horz" wrap="square" anchor="ctr" anchorCtr="1"/>
+        <a:lstStyle/>
+        <a:p>
+          <a:pPr>
+            <a:defRPr sz="1600" b="0" i="0" u="none" strike="noStrike" kern="1200" baseline="0">
+              <a:solidFill>
+                <a:schemeClr val="tx1">
+                  <a:lumMod val="65000"/>
+                  <a:lumOff val="35000"/>
+                </a:schemeClr>
+              </a:solidFill>
+              <a:latin typeface="+mn-lt"/>
+              <a:ea typeface="+mn-ea"/>
+              <a:cs typeface="+mn-cs"/>
+            </a:defRPr>
+          </a:pPr>
+          <a:endParaRPr lang="en-US"/>
+        </a:p>
+      </c:txPr>
+    </c:legend>
+    <c:plotVisOnly val="1"/>
+    <c:dispBlanksAs val="gap"/>
+    <c:showDLblsOverMax val="0"/>
+  </c:chart>
+  <c:spPr>
+    <a:noFill/>
+    <a:ln>
+      <a:noFill/>
+    </a:ln>
+    <a:effectLst/>
+  </c:spPr>
+  <c:txPr>
+    <a:bodyPr/>
+    <a:lstStyle/>
+    <a:p>
+      <a:pPr>
+        <a:defRPr/>
+      </a:pPr>
+      <a:endParaRPr lang="en-US"/>
+    </a:p>
+  </c:txPr>
+  <c:externalData r:id="rId3">
+    <c:autoUpdate val="0"/>
+  </c:externalData>
+  <c:userShapes r:id="rId4"/>
+</c:chartSpace>
+</file>
+
+<file path=ppt/charts/colors1.xml><?xml version="1.0" encoding="utf-8"?>
+<cs:colorStyle xmlns:cs="http://schemas.microsoft.com/office/drawing/2012/chartStyle" xmlns:a="http://schemas.openxmlformats.org/drawingml/2006/main" meth="cycle" id="10">
+  <a:schemeClr val="accent1"/>
+  <a:schemeClr val="accent2"/>
+  <a:schemeClr val="accent3"/>
+  <a:schemeClr val="accent4"/>
+  <a:schemeClr val="accent5"/>
+  <a:schemeClr val="accent6"/>
+  <cs:variation/>
+  <cs:variation>
+    <a:lumMod val="60000"/>
+  </cs:variation>
+  <cs:variation>
+    <a:lumMod val="80000"/>
+    <a:lumOff val="20000"/>
+  </cs:variation>
+  <cs:variation>
+    <a:lumMod val="80000"/>
+  </cs:variation>
+  <cs:variation>
+    <a:lumMod val="60000"/>
+    <a:lumOff val="40000"/>
+  </cs:variation>
+  <cs:variation>
+    <a:lumMod val="50000"/>
+  </cs:variation>
+  <cs:variation>
+    <a:lumMod val="70000"/>
+    <a:lumOff val="30000"/>
+  </cs:variation>
+  <cs:variation>
+    <a:lumMod val="70000"/>
+  </cs:variation>
+  <cs:variation>
+    <a:lumMod val="50000"/>
+    <a:lumOff val="50000"/>
+  </cs:variation>
+</cs:colorStyle>
+</file>
+
+<file path=ppt/charts/style1.xml><?xml version="1.0" encoding="utf-8"?>
+<cs:chartStyle xmlns:cs="http://schemas.microsoft.com/office/drawing/2012/chartStyle" xmlns:a="http://schemas.openxmlformats.org/drawingml/2006/main" id="201">
+  <cs:axisTitle>
+    <cs:lnRef idx="0"/>
+    <cs:fillRef idx="0"/>
+    <cs:effectRef idx="0"/>
+    <cs:fontRef idx="minor">
+      <a:schemeClr val="tx1">
+        <a:lumMod val="65000"/>
+        <a:lumOff val="35000"/>
+      </a:schemeClr>
+    </cs:fontRef>
+    <cs:defRPr sz="1000" kern="1200"/>
+  </cs:axisTitle>
+  <cs:categoryAxis>
+    <cs:lnRef idx="0"/>
+    <cs:fillRef idx="0"/>
+    <cs:effectRef idx="0"/>
+    <cs:fontRef idx="minor">
+      <a:schemeClr val="tx1">
+        <a:lumMod val="65000"/>
+        <a:lumOff val="35000"/>
+      </a:schemeClr>
+    </cs:fontRef>
+    <cs:spPr>
+      <a:ln w="9525" cap="flat" cmpd="sng" algn="ctr">
+        <a:solidFill>
+          <a:schemeClr val="tx1">
+            <a:lumMod val="15000"/>
+            <a:lumOff val="85000"/>
+          </a:schemeClr>
+        </a:solidFill>
+        <a:round/>
+      </a:ln>
+    </cs:spPr>
+    <cs:defRPr sz="900" kern="1200"/>
+  </cs:categoryAxis>
+  <cs:chartArea mods="allowNoFillOverride allowNoLineOverride">
+    <cs:lnRef idx="0"/>
+    <cs:fillRef idx="0"/>
+    <cs:effectRef idx="0"/>
+    <cs:fontRef idx="minor">
+      <a:schemeClr val="tx1"/>
+    </cs:fontRef>
+    <cs:spPr>
+      <a:solidFill>
+        <a:schemeClr val="bg1"/>
+      </a:solidFill>
+      <a:ln w="9525" cap="flat" cmpd="sng" algn="ctr">
+        <a:solidFill>
+          <a:schemeClr val="tx1">
+            <a:lumMod val="15000"/>
+            <a:lumOff val="85000"/>
+          </a:schemeClr>
+        </a:solidFill>
+        <a:round/>
+      </a:ln>
+    </cs:spPr>
+    <cs:defRPr sz="1000" kern="1200"/>
+  </cs:chartArea>
+  <cs:dataLabel>
+    <cs:lnRef idx="0"/>
+    <cs:fillRef idx="0"/>
+    <cs:effectRef idx="0"/>
+    <cs:fontRef idx="minor">
+      <a:schemeClr val="tx1">
+        <a:lumMod val="75000"/>
+        <a:lumOff val="25000"/>
+      </a:schemeClr>
+    </cs:fontRef>
+    <cs:defRPr sz="900" kern="1200"/>
+  </cs:dataLabel>
+  <cs:dataLabelCallout>
+    <cs:lnRef idx="0"/>
+    <cs:fillRef idx="0"/>
+    <cs:effectRef idx="0"/>
+    <cs:fontRef idx="minor">
+      <a:schemeClr val="dk1">
+        <a:lumMod val="65000"/>
+        <a:lumOff val="35000"/>
+      </a:schemeClr>
+    </cs:fontRef>
+    <cs:spPr>
+      <a:solidFill>
+        <a:schemeClr val="lt1"/>
+      </a:solidFill>
+      <a:ln>
+        <a:solidFill>
+          <a:schemeClr val="dk1">
+            <a:lumMod val="25000"/>
+            <a:lumOff val="75000"/>
+          </a:schemeClr>
+        </a:solidFill>
+      </a:ln>
+    </cs:spPr>
+    <cs:defRPr sz="900" kern="1200"/>
+    <cs:bodyPr rot="0" spcFirstLastPara="1" vertOverflow="clip" horzOverflow="clip" vert="horz" wrap="square" lIns="36576" tIns="18288" rIns="36576" bIns="18288" anchor="ctr" anchorCtr="1">
+      <a:spAutoFit/>
+    </cs:bodyPr>
+  </cs:dataLabelCallout>
+  <cs:dataPoint>
+    <cs:lnRef idx="0"/>
+    <cs:fillRef idx="1">
+      <cs:styleClr val="auto"/>
+    </cs:fillRef>
+    <cs:effectRef idx="0"/>
+    <cs:fontRef idx="minor">
+      <a:schemeClr val="tx1"/>
+    </cs:fontRef>
+  </cs:dataPoint>
+  <cs:dataPoint3D>
+    <cs:lnRef idx="0"/>
+    <cs:fillRef idx="1">
+      <cs:styleClr val="auto"/>
+    </cs:fillRef>
+    <cs:effectRef idx="0"/>
+    <cs:fontRef idx="minor">
+      <a:schemeClr val="tx1"/>
+    </cs:fontRef>
+  </cs:dataPoint3D>
+  <cs:dataPointLine>
+    <cs:lnRef idx="0">
+      <cs:styleClr val="auto"/>
+    </cs:lnRef>
+    <cs:fillRef idx="1"/>
+    <cs:effectRef idx="0"/>
+    <cs:fontRef idx="minor">
+      <a:schemeClr val="tx1"/>
+    </cs:fontRef>
+    <cs:spPr>
+      <a:ln w="28575" cap="rnd">
+        <a:solidFill>
+          <a:schemeClr val="phClr"/>
+        </a:solidFill>
+        <a:round/>
+      </a:ln>
+    </cs:spPr>
+  </cs:dataPointLine>
+  <cs:dataPointMarker>
+    <cs:lnRef idx="0">
+      <cs:styleClr val="auto"/>
+    </cs:lnRef>
+    <cs:fillRef idx="1">
+      <cs:styleClr val="auto"/>
+    </cs:fillRef>
+    <cs:effectRef idx="0"/>
+    <cs:fontRef idx="minor">
+      <a:schemeClr val="tx1"/>
+    </cs:fontRef>
+    <cs:spPr>
+      <a:ln w="9525">
+        <a:solidFill>
+          <a:schemeClr val="phClr"/>
+        </a:solidFill>
+      </a:ln>
+    </cs:spPr>
+  </cs:dataPointMarker>
+  <cs:dataPointMarkerLayout symbol="circle" size="5"/>
+  <cs:dataPointWireframe>
+    <cs:lnRef idx="0">
+      <cs:styleClr val="auto"/>
+    </cs:lnRef>
+    <cs:fillRef idx="1"/>
+    <cs:effectRef idx="0"/>
+    <cs:fontRef idx="minor">
+      <a:schemeClr val="tx1"/>
+    </cs:fontRef>
+    <cs:spPr>
+      <a:ln w="9525" cap="rnd">
+        <a:solidFill>
+          <a:schemeClr val="phClr"/>
+        </a:solidFill>
+        <a:round/>
+      </a:ln>
+    </cs:spPr>
+  </cs:dataPointWireframe>
+  <cs:dataTable>
+    <cs:lnRef idx="0"/>
+    <cs:fillRef idx="0"/>
+    <cs:effectRef idx="0"/>
+    <cs:fontRef idx="minor">
+      <a:schemeClr val="tx1">
+        <a:lumMod val="65000"/>
+        <a:lumOff val="35000"/>
+      </a:schemeClr>
+    </cs:fontRef>
+    <cs:spPr>
+      <a:noFill/>
+      <a:ln w="9525" cap="flat" cmpd="sng" algn="ctr">
+        <a:solidFill>
+          <a:schemeClr val="tx1">
+            <a:lumMod val="15000"/>
+            <a:lumOff val="85000"/>
+          </a:schemeClr>
+        </a:solidFill>
+        <a:round/>
+      </a:ln>
+    </cs:spPr>
+    <cs:defRPr sz="900" kern="1200"/>
+  </cs:dataTable>
+  <cs:downBar>
+    <cs:lnRef idx="0"/>
+    <cs:fillRef idx="0"/>
+    <cs:effectRef idx="0"/>
+    <cs:fontRef idx="minor">
+      <a:schemeClr val="dk1"/>
+    </cs:fontRef>
+    <cs:spPr>
+      <a:solidFill>
+        <a:schemeClr val="dk1">
+          <a:lumMod val="65000"/>
+          <a:lumOff val="35000"/>
+        </a:schemeClr>
+      </a:solidFill>
+      <a:ln w="9525">
+        <a:solidFill>
+          <a:schemeClr val="tx1">
+            <a:lumMod val="65000"/>
+            <a:lumOff val="35000"/>
+          </a:schemeClr>
+        </a:solidFill>
+      </a:ln>
+    </cs:spPr>
+  </cs:downBar>
+  <cs:dropLine>
+    <cs:lnRef idx="0"/>
+    <cs:fillRef idx="0"/>
+    <cs:effectRef idx="0"/>
+    <cs:fontRef idx="minor">
+      <a:schemeClr val="tx1"/>
+    </cs:fontRef>
+    <cs:spPr>
+      <a:ln w="9525" cap="flat" cmpd="sng" algn="ctr">
+        <a:solidFill>
+          <a:schemeClr val="tx1">
+            <a:lumMod val="35000"/>
+            <a:lumOff val="65000"/>
+          </a:schemeClr>
+        </a:solidFill>
+        <a:round/>
+      </a:ln>
+    </cs:spPr>
+  </cs:dropLine>
+  <cs:errorBar>
+    <cs:lnRef idx="0"/>
+    <cs:fillRef idx="0"/>
+    <cs:effectRef idx="0"/>
+    <cs:fontRef idx="minor">
+      <a:schemeClr val="tx1"/>
+    </cs:fontRef>
+    <cs:spPr>
+      <a:ln w="9525" cap="flat" cmpd="sng" algn="ctr">
+        <a:solidFill>
+          <a:schemeClr val="tx1">
+            <a:lumMod val="65000"/>
+            <a:lumOff val="35000"/>
+          </a:schemeClr>
+        </a:solidFill>
+        <a:round/>
+      </a:ln>
+    </cs:spPr>
+  </cs:errorBar>
+  <cs:floor>
+    <cs:lnRef idx="0"/>
+    <cs:fillRef idx="0"/>
+    <cs:effectRef idx="0"/>
+    <cs:fontRef idx="minor">
+      <a:schemeClr val="tx1"/>
+    </cs:fontRef>
+    <cs:spPr>
+      <a:noFill/>
+      <a:ln>
+        <a:noFill/>
+      </a:ln>
+    </cs:spPr>
+  </cs:floor>
+  <cs:gridlineMajor>
+    <cs:lnRef idx="0"/>
+    <cs:fillRef idx="0"/>
+    <cs:effectRef idx="0"/>
+    <cs:fontRef idx="minor">
+      <a:schemeClr val="tx1"/>
+    </cs:fontRef>
+    <cs:spPr>
+      <a:ln w="9525" cap="flat" cmpd="sng" algn="ctr">
+        <a:solidFill>
+          <a:schemeClr val="tx1">
+            <a:lumMod val="15000"/>
+            <a:lumOff val="85000"/>
+          </a:schemeClr>
+        </a:solidFill>
+        <a:round/>
+      </a:ln>
+    </cs:spPr>
+  </cs:gridlineMajor>
+  <cs:gridlineMinor>
+    <cs:lnRef idx="0"/>
+    <cs:fillRef idx="0"/>
+    <cs:effectRef idx="0"/>
+    <cs:fontRef idx="minor">
+      <a:schemeClr val="tx1"/>
+    </cs:fontRef>
+    <cs:spPr>
+      <a:ln w="9525" cap="flat" cmpd="sng" algn="ctr">
+        <a:solidFill>
+          <a:schemeClr val="tx1">
+            <a:lumMod val="5000"/>
+            <a:lumOff val="95000"/>
+          </a:schemeClr>
+        </a:solidFill>
+        <a:round/>
+      </a:ln>
+    </cs:spPr>
+  </cs:gridlineMinor>
+  <cs:hiLoLine>
+    <cs:lnRef idx="0"/>
+    <cs:fillRef idx="0"/>
+    <cs:effectRef idx="0"/>
+    <cs:fontRef idx="minor">
+      <a:schemeClr val="tx1"/>
+    </cs:fontRef>
+    <cs:spPr>
+      <a:ln w="9525" cap="flat" cmpd="sng" algn="ctr">
+        <a:solidFill>
+          <a:schemeClr val="tx1">
+            <a:lumMod val="75000"/>
+            <a:lumOff val="25000"/>
+          </a:schemeClr>
+        </a:solidFill>
+        <a:round/>
+      </a:ln>
+    </cs:spPr>
+  </cs:hiLoLine>
+  <cs:leaderLine>
+    <cs:lnRef idx="0"/>
+    <cs:fillRef idx="0"/>
+    <cs:effectRef idx="0"/>
+    <cs:fontRef idx="minor">
+      <a:schemeClr val="tx1"/>
+    </cs:fontRef>
+    <cs:spPr>
+      <a:ln w="9525" cap="flat" cmpd="sng" algn="ctr">
+        <a:solidFill>
+          <a:schemeClr val="tx1">
+            <a:lumMod val="35000"/>
+            <a:lumOff val="65000"/>
+          </a:schemeClr>
+        </a:solidFill>
+        <a:round/>
+      </a:ln>
+    </cs:spPr>
+  </cs:leaderLine>
+  <cs:legend>
+    <cs:lnRef idx="0"/>
+    <cs:fillRef idx="0"/>
+    <cs:effectRef idx="0"/>
+    <cs:fontRef idx="minor">
+      <a:schemeClr val="tx1">
+        <a:lumMod val="65000"/>
+        <a:lumOff val="35000"/>
+      </a:schemeClr>
+    </cs:fontRef>
+    <cs:defRPr sz="900" kern="1200"/>
+  </cs:legend>
+  <cs:plotArea mods="allowNoFillOverride allowNoLineOverride">
+    <cs:lnRef idx="0"/>
+    <cs:fillRef idx="0"/>
+    <cs:effectRef idx="0"/>
+    <cs:fontRef idx="minor">
+      <a:schemeClr val="tx1"/>
+    </cs:fontRef>
+  </cs:plotArea>
+  <cs:plotArea3D mods="allowNoFillOverride allowNoLineOverride">
+    <cs:lnRef idx="0"/>
+    <cs:fillRef idx="0"/>
+    <cs:effectRef idx="0"/>
+    <cs:fontRef idx="minor">
+      <a:schemeClr val="tx1"/>
+    </cs:fontRef>
+  </cs:plotArea3D>
+  <cs:seriesAxis>
+    <cs:lnRef idx="0"/>
+    <cs:fillRef idx="0"/>
+    <cs:effectRef idx="0"/>
+    <cs:fontRef idx="minor">
+      <a:schemeClr val="tx1">
+        <a:lumMod val="65000"/>
+        <a:lumOff val="35000"/>
+      </a:schemeClr>
+    </cs:fontRef>
+    <cs:defRPr sz="900" kern="1200"/>
+  </cs:seriesAxis>
+  <cs:seriesLine>
+    <cs:lnRef idx="0"/>
+    <cs:fillRef idx="0"/>
+    <cs:effectRef idx="0"/>
+    <cs:fontRef idx="minor">
+      <a:schemeClr val="tx1"/>
+    </cs:fontRef>
+    <cs:spPr>
+      <a:ln w="9525" cap="flat" cmpd="sng" algn="ctr">
+        <a:solidFill>
+          <a:schemeClr val="tx1">
+            <a:lumMod val="35000"/>
+            <a:lumOff val="65000"/>
+          </a:schemeClr>
+        </a:solidFill>
+        <a:round/>
+      </a:ln>
+    </cs:spPr>
+  </cs:seriesLine>
+  <cs:title>
+    <cs:lnRef idx="0"/>
+    <cs:fillRef idx="0"/>
+    <cs:effectRef idx="0"/>
+    <cs:fontRef idx="minor">
+      <a:schemeClr val="tx1">
+        <a:lumMod val="65000"/>
+        <a:lumOff val="35000"/>
+      </a:schemeClr>
+    </cs:fontRef>
+    <cs:defRPr sz="1400" b="0" kern="1200" spc="0" baseline="0"/>
+  </cs:title>
+  <cs:trendline>
+    <cs:lnRef idx="0">
+      <cs:styleClr val="auto"/>
+    </cs:lnRef>
+    <cs:fillRef idx="0"/>
+    <cs:effectRef idx="0"/>
+    <cs:fontRef idx="minor">
+      <a:schemeClr val="tx1"/>
+    </cs:fontRef>
+    <cs:spPr>
+      <a:ln w="19050" cap="rnd">
+        <a:solidFill>
+          <a:schemeClr val="phClr"/>
+        </a:solidFill>
+        <a:prstDash val="sysDot"/>
+      </a:ln>
+    </cs:spPr>
+  </cs:trendline>
+  <cs:trendlineLabel>
+    <cs:lnRef idx="0"/>
+    <cs:fillRef idx="0"/>
+    <cs:effectRef idx="0"/>
+    <cs:fontRef idx="minor">
+      <a:schemeClr val="tx1">
+        <a:lumMod val="65000"/>
+        <a:lumOff val="35000"/>
+      </a:schemeClr>
+    </cs:fontRef>
+    <cs:defRPr sz="900" kern="1200"/>
+  </cs:trendlineLabel>
+  <cs:upBar>
+    <cs:lnRef idx="0"/>
+    <cs:fillRef idx="0"/>
+    <cs:effectRef idx="0"/>
+    <cs:fontRef idx="minor">
+      <a:schemeClr val="dk1"/>
+    </cs:fontRef>
+    <cs:spPr>
+      <a:solidFill>
+        <a:schemeClr val="lt1"/>
+      </a:solidFill>
+      <a:ln w="9525">
+        <a:solidFill>
+          <a:schemeClr val="tx1">
+            <a:lumMod val="15000"/>
+            <a:lumOff val="85000"/>
+          </a:schemeClr>
+        </a:solidFill>
+      </a:ln>
+    </cs:spPr>
+  </cs:upBar>
+  <cs:valueAxis>
+    <cs:lnRef idx="0"/>
+    <cs:fillRef idx="0"/>
+    <cs:effectRef idx="0"/>
+    <cs:fontRef idx="minor">
+      <a:schemeClr val="tx1">
+        <a:lumMod val="65000"/>
+        <a:lumOff val="35000"/>
+      </a:schemeClr>
+    </cs:fontRef>
+    <cs:defRPr sz="900" kern="1200"/>
+  </cs:valueAxis>
+  <cs:wall>
+    <cs:lnRef idx="0"/>
+    <cs:fillRef idx="0"/>
+    <cs:effectRef idx="0"/>
+    <cs:fontRef idx="minor">
+      <a:schemeClr val="tx1"/>
+    </cs:fontRef>
+    <cs:spPr>
+      <a:noFill/>
+      <a:ln>
+        <a:noFill/>
+      </a:ln>
+    </cs:spPr>
+  </cs:wall>
+</cs:chartStyle>
+</file>
+
+<file path=ppt/drawings/drawing1.xml><?xml version="1.0" encoding="utf-8"?>
+<c:userShapes xmlns:c="http://schemas.openxmlformats.org/drawingml/2006/chart">
+  <cdr:relSizeAnchor xmlns:cdr="http://schemas.openxmlformats.org/drawingml/2006/chartDrawing">
+    <cdr:from>
+      <cdr:x>0.74789</cdr:x>
+      <cdr:y>0.62498</cdr:y>
+    </cdr:from>
+    <cdr:to>
+      <cdr:x>0.96318</cdr:x>
+      <cdr:y>0.83963</cdr:y>
+    </cdr:to>
+    <cdr:sp macro="" textlink="">
+      <cdr:nvSpPr>
+        <cdr:cNvPr id="2" name="TextBox 1"/>
+        <cdr:cNvSpPr txBox="1"/>
+      </cdr:nvSpPr>
+      <cdr:spPr>
+        <a:xfrm xmlns:a="http://schemas.openxmlformats.org/drawingml/2006/main">
+          <a:off x="5936060" y="3252002"/>
+          <a:ext cx="1708767" cy="1116904"/>
+        </a:xfrm>
+        <a:prstGeom xmlns:a="http://schemas.openxmlformats.org/drawingml/2006/main" prst="rect">
+          <a:avLst/>
+        </a:prstGeom>
+      </cdr:spPr>
+      <cdr:txBody>
+        <a:bodyPr xmlns:a="http://schemas.openxmlformats.org/drawingml/2006/main" vertOverflow="clip" wrap="square" rtlCol="0"/>
+        <a:lstStyle xmlns:a="http://schemas.openxmlformats.org/drawingml/2006/main"/>
+        <a:p xmlns:a="http://schemas.openxmlformats.org/drawingml/2006/main">
+          <a:r>
+            <a:rPr lang="en-US" sz="1600" dirty="0"/>
+            <a:t>Bubble size is build volume in mm</a:t>
+          </a:r>
+          <a:r>
+            <a:rPr lang="en-US" sz="1600" baseline="30000" dirty="0"/>
+            <a:t>3</a:t>
+          </a:r>
+        </a:p>
+      </cdr:txBody>
+    </cdr:sp>
+  </cdr:relSizeAnchor>
+</c:userShapes>
 </file>
 
 <file path=ppt/handoutMasters/handoutMaster1.xml><?xml version="1.0" encoding="utf-8"?>
@@ -196,7 +1624,7 @@
           <a:p>
             <a:fld id="{1E70AEAC-1931-4569-BF73-B212D56C4B53}" type="datetimeFigureOut">
               <a:rPr lang="en-US" smtClean="0"/>
-              <a:t>12/1/2014</a:t>
+              <a:t>2014-12-02</a:t>
             </a:fld>
             <a:endParaRPr lang="en-US"/>
           </a:p>
@@ -510,7 +1938,7 @@
           <a:p>
             <a:fld id="{42C62CB3-0669-4BBC-A9D3-3EE3CB95F944}" type="datetimeFigureOut">
               <a:rPr lang="en-US" smtClean="0"/>
-              <a:t>12/1/2014</a:t>
+              <a:t>2014-12-02</a:t>
             </a:fld>
             <a:endParaRPr lang="en-US"/>
           </a:p>
@@ -1283,7 +2711,7 @@
           <a:p>
             <a:fld id="{42C62CB3-0669-4BBC-A9D3-3EE3CB95F944}" type="datetimeFigureOut">
               <a:rPr lang="en-US" smtClean="0"/>
-              <a:t>12/1/2014</a:t>
+              <a:t>2014-12-02</a:t>
             </a:fld>
             <a:endParaRPr lang="en-US"/>
           </a:p>
@@ -2040,10 +3468,1045 @@
           </a:p>
         </p:txBody>
       </p:sp>
+      <p:sp>
+        <p:nvSpPr>
+          <p:cNvPr id="4" name="TextBox 3"/>
+          <p:cNvSpPr txBox="1"/>
+          <p:nvPr/>
+        </p:nvSpPr>
+        <p:spPr>
+          <a:xfrm>
+            <a:off x="2418735" y="4483510"/>
+            <a:ext cx="4896465" cy="892682"/>
+          </a:xfrm>
+          <a:prstGeom prst="rect">
+            <a:avLst/>
+          </a:prstGeom>
+          <a:noFill/>
+        </p:spPr>
+        <p:txBody>
+          <a:bodyPr wrap="square" rtlCol="0">
+            <a:spAutoFit/>
+          </a:bodyPr>
+          <a:lstStyle/>
+          <a:p>
+            <a:endParaRPr lang="en-US"/>
+          </a:p>
+        </p:txBody>
+      </p:sp>
     </p:spTree>
     <p:extLst>
       <p:ext uri="{BB962C8B-B14F-4D97-AF65-F5344CB8AC3E}">
         <p14:creationId xmlns:p14="http://schemas.microsoft.com/office/powerpoint/2010/main" val="3818678004"/>
+      </p:ext>
+    </p:extLst>
+  </p:cSld>
+  <p:clrMapOvr>
+    <a:masterClrMapping/>
+  </p:clrMapOvr>
+</p:sld>
+</file>
+
+<file path=ppt/slides/slide10.xml><?xml version="1.0" encoding="utf-8"?>
+<p:sld xmlns:a="http://schemas.openxmlformats.org/drawingml/2006/main" xmlns:r="http://schemas.openxmlformats.org/officeDocument/2006/relationships" xmlns:p="http://schemas.openxmlformats.org/presentationml/2006/main">
+  <p:cSld>
+    <p:spTree>
+      <p:nvGrpSpPr>
+        <p:cNvPr id="1" name=""/>
+        <p:cNvGrpSpPr/>
+        <p:nvPr/>
+      </p:nvGrpSpPr>
+      <p:grpSpPr>
+        <a:xfrm>
+          <a:off x="0" y="0"/>
+          <a:ext cx="0" cy="0"/>
+          <a:chOff x="0" y="0"/>
+          <a:chExt cx="0" cy="0"/>
+        </a:xfrm>
+      </p:grpSpPr>
+      <p:sp>
+        <p:nvSpPr>
+          <p:cNvPr id="2" name="Title 1"/>
+          <p:cNvSpPr>
+            <a:spLocks noGrp="1"/>
+          </p:cNvSpPr>
+          <p:nvPr>
+            <p:ph type="title"/>
+          </p:nvPr>
+        </p:nvSpPr>
+        <p:spPr/>
+        <p:txBody>
+          <a:bodyPr/>
+          <a:lstStyle/>
+          <a:p>
+            <a:endParaRPr lang="en-US"/>
+          </a:p>
+        </p:txBody>
+      </p:sp>
+      <p:sp>
+        <p:nvSpPr>
+          <p:cNvPr id="3" name="Content Placeholder 2"/>
+          <p:cNvSpPr>
+            <a:spLocks noGrp="1"/>
+          </p:cNvSpPr>
+          <p:nvPr>
+            <p:ph idx="1"/>
+          </p:nvPr>
+        </p:nvSpPr>
+        <p:spPr/>
+        <p:txBody>
+          <a:bodyPr/>
+          <a:lstStyle/>
+          <a:p>
+            <a:endParaRPr lang="en-US"/>
+          </a:p>
+        </p:txBody>
+      </p:sp>
+    </p:spTree>
+    <p:extLst>
+      <p:ext uri="{BB962C8B-B14F-4D97-AF65-F5344CB8AC3E}">
+        <p14:creationId xmlns:p14="http://schemas.microsoft.com/office/powerpoint/2010/main" val="2435375949"/>
+      </p:ext>
+    </p:extLst>
+  </p:cSld>
+  <p:clrMapOvr>
+    <a:masterClrMapping/>
+  </p:clrMapOvr>
+</p:sld>
+</file>
+
+<file path=ppt/slides/slide11.xml><?xml version="1.0" encoding="utf-8"?>
+<p:sld xmlns:a="http://schemas.openxmlformats.org/drawingml/2006/main" xmlns:r="http://schemas.openxmlformats.org/officeDocument/2006/relationships" xmlns:p="http://schemas.openxmlformats.org/presentationml/2006/main">
+  <p:cSld>
+    <p:spTree>
+      <p:nvGrpSpPr>
+        <p:cNvPr id="1" name=""/>
+        <p:cNvGrpSpPr/>
+        <p:nvPr/>
+      </p:nvGrpSpPr>
+      <p:grpSpPr>
+        <a:xfrm>
+          <a:off x="0" y="0"/>
+          <a:ext cx="0" cy="0"/>
+          <a:chOff x="0" y="0"/>
+          <a:chExt cx="0" cy="0"/>
+        </a:xfrm>
+      </p:grpSpPr>
+      <p:sp>
+        <p:nvSpPr>
+          <p:cNvPr id="2" name="Title 1"/>
+          <p:cNvSpPr>
+            <a:spLocks noGrp="1"/>
+          </p:cNvSpPr>
+          <p:nvPr>
+            <p:ph type="title"/>
+          </p:nvPr>
+        </p:nvSpPr>
+        <p:spPr/>
+        <p:txBody>
+          <a:bodyPr/>
+          <a:lstStyle/>
+          <a:p>
+            <a:r>
+              <a:rPr lang="en-US" dirty="0"/>
+              <a:t>Wire Diagram</a:t>
+            </a:r>
+          </a:p>
+        </p:txBody>
+      </p:sp>
+      <p:pic>
+        <p:nvPicPr>
+          <p:cNvPr id="4" name="Content Placeholder 14" descr="LndScapeHLD.png"/>
+          <p:cNvPicPr>
+            <a:picLocks noChangeAspect="1"/>
+          </p:cNvPicPr>
+          <p:nvPr/>
+        </p:nvPicPr>
+        <p:blipFill>
+          <a:blip r:embed="rId2" cstate="print"/>
+          <a:stretch>
+            <a:fillRect/>
+          </a:stretch>
+        </p:blipFill>
+        <p:spPr>
+          <a:xfrm>
+            <a:off x="153452" y="1667880"/>
+            <a:ext cx="8837096" cy="4968441"/>
+          </a:xfrm>
+          <a:prstGeom prst="rect">
+            <a:avLst/>
+          </a:prstGeom>
+        </p:spPr>
+      </p:pic>
+    </p:spTree>
+    <p:extLst>
+      <p:ext uri="{BB962C8B-B14F-4D97-AF65-F5344CB8AC3E}">
+        <p14:creationId xmlns:p14="http://schemas.microsoft.com/office/powerpoint/2010/main" val="866949016"/>
+      </p:ext>
+    </p:extLst>
+  </p:cSld>
+  <p:clrMapOvr>
+    <a:masterClrMapping/>
+  </p:clrMapOvr>
+</p:sld>
+</file>
+
+<file path=ppt/slides/slide12.xml><?xml version="1.0" encoding="utf-8"?>
+<p:sld xmlns:a="http://schemas.openxmlformats.org/drawingml/2006/main" xmlns:r="http://schemas.openxmlformats.org/officeDocument/2006/relationships" xmlns:p="http://schemas.openxmlformats.org/presentationml/2006/main">
+  <p:cSld>
+    <p:spTree>
+      <p:nvGrpSpPr>
+        <p:cNvPr id="1" name=""/>
+        <p:cNvGrpSpPr/>
+        <p:nvPr/>
+      </p:nvGrpSpPr>
+      <p:grpSpPr>
+        <a:xfrm>
+          <a:off x="0" y="0"/>
+          <a:ext cx="0" cy="0"/>
+          <a:chOff x="0" y="0"/>
+          <a:chExt cx="0" cy="0"/>
+        </a:xfrm>
+      </p:grpSpPr>
+      <p:sp>
+        <p:nvSpPr>
+          <p:cNvPr id="2" name="Title 1"/>
+          <p:cNvSpPr>
+            <a:spLocks noGrp="1"/>
+          </p:cNvSpPr>
+          <p:nvPr>
+            <p:ph type="title"/>
+          </p:nvPr>
+        </p:nvSpPr>
+        <p:spPr/>
+        <p:txBody>
+          <a:bodyPr/>
+          <a:lstStyle/>
+          <a:p>
+            <a:r>
+              <a:rPr lang="en-US" dirty="0"/>
+              <a:t>Functional Block Diagram</a:t>
+            </a:r>
+          </a:p>
+        </p:txBody>
+      </p:sp>
+      <p:pic>
+        <p:nvPicPr>
+          <p:cNvPr id="4" name="Picture 3"/>
+          <p:cNvPicPr>
+            <a:picLocks noChangeAspect="1"/>
+          </p:cNvPicPr>
+          <p:nvPr/>
+        </p:nvPicPr>
+        <p:blipFill>
+          <a:blip r:embed="rId2"/>
+          <a:stretch>
+            <a:fillRect/>
+          </a:stretch>
+        </p:blipFill>
+        <p:spPr>
+          <a:xfrm>
+            <a:off x="197650" y="2064774"/>
+            <a:ext cx="8728005" cy="3439966"/>
+          </a:xfrm>
+          <a:prstGeom prst="rect">
+            <a:avLst/>
+          </a:prstGeom>
+        </p:spPr>
+      </p:pic>
+    </p:spTree>
+    <p:extLst>
+      <p:ext uri="{BB962C8B-B14F-4D97-AF65-F5344CB8AC3E}">
+        <p14:creationId xmlns:p14="http://schemas.microsoft.com/office/powerpoint/2010/main" val="604645605"/>
+      </p:ext>
+    </p:extLst>
+  </p:cSld>
+  <p:clrMapOvr>
+    <a:masterClrMapping/>
+  </p:clrMapOvr>
+</p:sld>
+</file>
+
+<file path=ppt/slides/slide13.xml><?xml version="1.0" encoding="utf-8"?>
+<p:sld xmlns:a="http://schemas.openxmlformats.org/drawingml/2006/main" xmlns:r="http://schemas.openxmlformats.org/officeDocument/2006/relationships" xmlns:p="http://schemas.openxmlformats.org/presentationml/2006/main">
+  <p:cSld>
+    <p:spTree>
+      <p:nvGrpSpPr>
+        <p:cNvPr id="1" name=""/>
+        <p:cNvGrpSpPr/>
+        <p:nvPr/>
+      </p:nvGrpSpPr>
+      <p:grpSpPr>
+        <a:xfrm>
+          <a:off x="0" y="0"/>
+          <a:ext cx="0" cy="0"/>
+          <a:chOff x="0" y="0"/>
+          <a:chExt cx="0" cy="0"/>
+        </a:xfrm>
+      </p:grpSpPr>
+      <p:sp>
+        <p:nvSpPr>
+          <p:cNvPr id="2" name="Title 1"/>
+          <p:cNvSpPr>
+            <a:spLocks noGrp="1"/>
+          </p:cNvSpPr>
+          <p:nvPr>
+            <p:ph type="title"/>
+          </p:nvPr>
+        </p:nvSpPr>
+        <p:spPr/>
+        <p:txBody>
+          <a:bodyPr/>
+          <a:lstStyle/>
+          <a:p>
+            <a:r>
+              <a:rPr lang="en-US" dirty="0" smtClean="0"/>
+              <a:t>Cost</a:t>
+            </a:r>
+            <a:endParaRPr lang="en-US" dirty="0"/>
+          </a:p>
+        </p:txBody>
+      </p:sp>
+      <p:graphicFrame>
+        <p:nvGraphicFramePr>
+          <p:cNvPr id="4" name="Content Placeholder 4"/>
+          <p:cNvGraphicFramePr>
+            <a:graphicFrameLocks/>
+          </p:cNvGraphicFramePr>
+          <p:nvPr>
+            <p:extLst>
+              <p:ext uri="{D42A27DB-BD31-4B8C-83A1-F6EECF244321}">
+                <p14:modId xmlns:p14="http://schemas.microsoft.com/office/powerpoint/2010/main" val="947639696"/>
+              </p:ext>
+            </p:extLst>
+          </p:nvPr>
+        </p:nvGraphicFramePr>
+        <p:xfrm>
+          <a:off x="2219905" y="1895558"/>
+          <a:ext cx="4891450" cy="4257155"/>
+        </p:xfrm>
+        <a:graphic>
+          <a:graphicData uri="http://schemas.openxmlformats.org/drawingml/2006/table">
+            <a:tbl>
+              <a:tblPr firstRow="1" firstCol="1" bandRow="1">
+                <a:tableStyleId>{5C22544A-7EE6-4342-B048-85BDC9FD1C3A}</a:tableStyleId>
+              </a:tblPr>
+              <a:tblGrid>
+                <a:gridCol w="3474774"/>
+                <a:gridCol w="1416676"/>
+              </a:tblGrid>
+              <a:tr h="640080">
+                <a:tc>
+                  <a:txBody>
+                    <a:bodyPr/>
+                    <a:lstStyle/>
+                    <a:p>
+                      <a:pPr algn="ctr"/>
+                      <a:r>
+                        <a:rPr lang="en-US" sz="1800" dirty="0" smtClean="0">
+                          <a:effectLst/>
+                          <a:latin typeface="+mn-lt"/>
+                        </a:rPr>
+                        <a:t>Item</a:t>
+                      </a:r>
+                      <a:endParaRPr lang="en-US" dirty="0"/>
+                    </a:p>
+                  </a:txBody>
+                  <a:tcPr anchor="ctr"/>
+                </a:tc>
+                <a:tc>
+                  <a:txBody>
+                    <a:bodyPr/>
+                    <a:lstStyle/>
+                    <a:p>
+                      <a:pPr algn="ctr"/>
+                      <a:r>
+                        <a:rPr lang="en-US" dirty="0" smtClean="0"/>
+                        <a:t>Price</a:t>
+                      </a:r>
+                      <a:endParaRPr lang="en-US" dirty="0"/>
+                    </a:p>
+                  </a:txBody>
+                  <a:tcPr anchor="ctr"/>
+                </a:tc>
+              </a:tr>
+              <a:tr h="640080">
+                <a:tc>
+                  <a:txBody>
+                    <a:bodyPr/>
+                    <a:lstStyle/>
+                    <a:p>
+                      <a:pPr marL="0" marR="0" algn="l">
+                        <a:spcBef>
+                          <a:spcPts val="0"/>
+                        </a:spcBef>
+                        <a:spcAft>
+                          <a:spcPts val="0"/>
+                        </a:spcAft>
+                      </a:pPr>
+                      <a:r>
+                        <a:rPr lang="en-US" sz="1800" dirty="0" smtClean="0">
+                          <a:effectLst/>
+                          <a:latin typeface="+mn-lt"/>
+                        </a:rPr>
+                        <a:t>Motion</a:t>
+                      </a:r>
+                      <a:r>
+                        <a:rPr lang="en-US" sz="1800" baseline="0" dirty="0" smtClean="0">
+                          <a:effectLst/>
+                          <a:latin typeface="+mn-lt"/>
+                        </a:rPr>
+                        <a:t> control</a:t>
+                      </a:r>
+                      <a:endParaRPr lang="en-US" sz="1800" dirty="0">
+                        <a:effectLst/>
+                        <a:latin typeface="+mn-lt"/>
+                        <a:ea typeface="Times New Roman" panose="02020603050405020304" pitchFamily="18" charset="0"/>
+                      </a:endParaRPr>
+                    </a:p>
+                  </a:txBody>
+                  <a:tcPr anchor="ctr"/>
+                </a:tc>
+                <a:tc>
+                  <a:txBody>
+                    <a:bodyPr/>
+                    <a:lstStyle/>
+                    <a:p>
+                      <a:pPr algn="r" rtl="0" fontAlgn="b"/>
+                      <a:r>
+                        <a:rPr lang="en-US" sz="1800" dirty="0" smtClean="0">
+                          <a:solidFill>
+                            <a:srgbClr val="000000"/>
+                          </a:solidFill>
+                          <a:effectLst/>
+                          <a:latin typeface="+mn-lt"/>
+                        </a:rPr>
+                        <a:t>$113.61</a:t>
+                      </a:r>
+                      <a:endParaRPr lang="en-US" sz="1800" dirty="0">
+                        <a:solidFill>
+                          <a:srgbClr val="000000"/>
+                        </a:solidFill>
+                        <a:effectLst/>
+                        <a:latin typeface="+mn-lt"/>
+                      </a:endParaRPr>
+                    </a:p>
+                  </a:txBody>
+                  <a:tcPr anchor="ctr"/>
+                </a:tc>
+              </a:tr>
+              <a:tr h="640080">
+                <a:tc>
+                  <a:txBody>
+                    <a:bodyPr/>
+                    <a:lstStyle/>
+                    <a:p>
+                      <a:pPr marL="0" marR="0" algn="l">
+                        <a:spcBef>
+                          <a:spcPts val="0"/>
+                        </a:spcBef>
+                        <a:spcAft>
+                          <a:spcPts val="0"/>
+                        </a:spcAft>
+                      </a:pPr>
+                      <a:r>
+                        <a:rPr lang="en-US" sz="1800" dirty="0" smtClean="0">
+                          <a:effectLst/>
+                          <a:latin typeface="+mn-lt"/>
+                          <a:ea typeface="Times New Roman" panose="02020603050405020304" pitchFamily="18" charset="0"/>
+                        </a:rPr>
+                        <a:t>Chassis</a:t>
+                      </a:r>
+                      <a:endParaRPr lang="en-US" sz="1800" dirty="0">
+                        <a:effectLst/>
+                        <a:latin typeface="+mn-lt"/>
+                        <a:ea typeface="Times New Roman" panose="02020603050405020304" pitchFamily="18" charset="0"/>
+                      </a:endParaRPr>
+                    </a:p>
+                  </a:txBody>
+                  <a:tcPr anchor="ctr"/>
+                </a:tc>
+                <a:tc>
+                  <a:txBody>
+                    <a:bodyPr/>
+                    <a:lstStyle/>
+                    <a:p>
+                      <a:pPr algn="r" rtl="0" fontAlgn="b"/>
+                      <a:r>
+                        <a:rPr lang="en-US" sz="1800" dirty="0" smtClean="0">
+                          <a:solidFill>
+                            <a:srgbClr val="000000"/>
+                          </a:solidFill>
+                          <a:effectLst/>
+                          <a:latin typeface="+mn-lt"/>
+                        </a:rPr>
+                        <a:t>$315.99</a:t>
+                      </a:r>
+                    </a:p>
+                  </a:txBody>
+                  <a:tcPr anchor="ctr"/>
+                </a:tc>
+              </a:tr>
+              <a:tr h="640080">
+                <a:tc>
+                  <a:txBody>
+                    <a:bodyPr/>
+                    <a:lstStyle/>
+                    <a:p>
+                      <a:pPr marL="0" marR="0" algn="l">
+                        <a:spcBef>
+                          <a:spcPts val="0"/>
+                        </a:spcBef>
+                        <a:spcAft>
+                          <a:spcPts val="0"/>
+                        </a:spcAft>
+                      </a:pPr>
+                      <a:r>
+                        <a:rPr lang="en-US" sz="1800" dirty="0" smtClean="0">
+                          <a:effectLst/>
+                          <a:latin typeface="+mn-lt"/>
+                          <a:ea typeface="Times New Roman" panose="02020603050405020304" pitchFamily="18" charset="0"/>
+                        </a:rPr>
+                        <a:t>Hardware software interface</a:t>
+                      </a:r>
+                      <a:endParaRPr lang="en-US" sz="1800" dirty="0">
+                        <a:effectLst/>
+                        <a:latin typeface="+mn-lt"/>
+                        <a:ea typeface="Times New Roman" panose="02020603050405020304" pitchFamily="18" charset="0"/>
+                      </a:endParaRPr>
+                    </a:p>
+                  </a:txBody>
+                  <a:tcPr anchor="ctr"/>
+                </a:tc>
+                <a:tc>
+                  <a:txBody>
+                    <a:bodyPr/>
+                    <a:lstStyle/>
+                    <a:p>
+                      <a:pPr algn="r" rtl="0" fontAlgn="b"/>
+                      <a:r>
+                        <a:rPr lang="en-US" sz="1800" dirty="0" smtClean="0">
+                          <a:solidFill>
+                            <a:srgbClr val="000000"/>
+                          </a:solidFill>
+                          <a:effectLst/>
+                          <a:latin typeface="+mn-lt"/>
+                        </a:rPr>
+                        <a:t>$25.97</a:t>
+                      </a:r>
+                      <a:endParaRPr lang="en-US" sz="1800" dirty="0">
+                        <a:solidFill>
+                          <a:srgbClr val="000000"/>
+                        </a:solidFill>
+                        <a:effectLst/>
+                        <a:latin typeface="+mn-lt"/>
+                      </a:endParaRPr>
+                    </a:p>
+                  </a:txBody>
+                  <a:tcPr anchor="ctr"/>
+                </a:tc>
+              </a:tr>
+              <a:tr h="640080">
+                <a:tc>
+                  <a:txBody>
+                    <a:bodyPr/>
+                    <a:lstStyle/>
+                    <a:p>
+                      <a:pPr marL="0" marR="0" algn="l">
+                        <a:spcBef>
+                          <a:spcPts val="0"/>
+                        </a:spcBef>
+                        <a:spcAft>
+                          <a:spcPts val="0"/>
+                        </a:spcAft>
+                      </a:pPr>
+                      <a:r>
+                        <a:rPr lang="en-US" sz="1800" dirty="0" smtClean="0">
+                          <a:effectLst/>
+                          <a:latin typeface="+mn-lt"/>
+                          <a:ea typeface="Times New Roman" panose="02020603050405020304" pitchFamily="18" charset="0"/>
+                        </a:rPr>
+                        <a:t>Motors/motor</a:t>
+                      </a:r>
+                      <a:r>
+                        <a:rPr lang="en-US" sz="1800" baseline="0" dirty="0" smtClean="0">
+                          <a:effectLst/>
+                          <a:latin typeface="+mn-lt"/>
+                          <a:ea typeface="Times New Roman" panose="02020603050405020304" pitchFamily="18" charset="0"/>
+                        </a:rPr>
+                        <a:t> control</a:t>
+                      </a:r>
+                      <a:endParaRPr lang="en-US" sz="1800" dirty="0">
+                        <a:effectLst/>
+                        <a:latin typeface="+mn-lt"/>
+                        <a:ea typeface="Times New Roman" panose="02020603050405020304" pitchFamily="18" charset="0"/>
+                      </a:endParaRPr>
+                    </a:p>
+                  </a:txBody>
+                  <a:tcPr anchor="ctr"/>
+                </a:tc>
+                <a:tc>
+                  <a:txBody>
+                    <a:bodyPr/>
+                    <a:lstStyle/>
+                    <a:p>
+                      <a:pPr algn="r" rtl="0" fontAlgn="b"/>
+                      <a:r>
+                        <a:rPr lang="en-US" sz="1800" dirty="0" smtClean="0">
+                          <a:solidFill>
+                            <a:srgbClr val="000000"/>
+                          </a:solidFill>
+                          <a:effectLst/>
+                          <a:latin typeface="+mn-lt"/>
+                        </a:rPr>
+                        <a:t>$82.83</a:t>
+                      </a:r>
+                      <a:endParaRPr lang="en-US" sz="1800" dirty="0">
+                        <a:solidFill>
+                          <a:srgbClr val="000000"/>
+                        </a:solidFill>
+                        <a:effectLst/>
+                        <a:latin typeface="+mn-lt"/>
+                      </a:endParaRPr>
+                    </a:p>
+                  </a:txBody>
+                  <a:tcPr anchor="ctr"/>
+                </a:tc>
+              </a:tr>
+              <a:tr h="640080">
+                <a:tc>
+                  <a:txBody>
+                    <a:bodyPr/>
+                    <a:lstStyle/>
+                    <a:p>
+                      <a:pPr marL="0" marR="0" algn="l">
+                        <a:spcBef>
+                          <a:spcPts val="0"/>
+                        </a:spcBef>
+                        <a:spcAft>
+                          <a:spcPts val="0"/>
+                        </a:spcAft>
+                      </a:pPr>
+                      <a:r>
+                        <a:rPr lang="en-US" sz="1800" b="1" kern="1200" dirty="0" smtClean="0">
+                          <a:solidFill>
+                            <a:schemeClr val="lt1"/>
+                          </a:solidFill>
+                          <a:effectLst/>
+                          <a:latin typeface="+mn-lt"/>
+                          <a:ea typeface="+mn-ea"/>
+                          <a:cs typeface="+mn-cs"/>
+                        </a:rPr>
+                        <a:t>Maker Juice resins</a:t>
+                      </a:r>
+                      <a:endParaRPr lang="en-US" sz="1800" dirty="0">
+                        <a:effectLst/>
+                        <a:latin typeface="+mn-lt"/>
+                        <a:ea typeface="Times New Roman" panose="02020603050405020304" pitchFamily="18" charset="0"/>
+                      </a:endParaRPr>
+                    </a:p>
+                  </a:txBody>
+                  <a:tcPr anchor="ctr"/>
+                </a:tc>
+                <a:tc>
+                  <a:txBody>
+                    <a:bodyPr/>
+                    <a:lstStyle/>
+                    <a:p>
+                      <a:pPr algn="r" rtl="0" fontAlgn="b"/>
+                      <a:r>
+                        <a:rPr lang="en-US" sz="1800" dirty="0" smtClean="0">
+                          <a:solidFill>
+                            <a:srgbClr val="000000"/>
+                          </a:solidFill>
+                          <a:effectLst/>
+                        </a:rPr>
+                        <a:t>$45.00</a:t>
+                      </a:r>
+                    </a:p>
+                  </a:txBody>
+                  <a:tcPr anchor="ctr"/>
+                </a:tc>
+              </a:tr>
+              <a:tr h="416675">
+                <a:tc>
+                  <a:txBody>
+                    <a:bodyPr/>
+                    <a:lstStyle/>
+                    <a:p>
+                      <a:pPr marL="0" marR="0" indent="0" algn="r" defTabSz="457200" rtl="0" eaLnBrk="1" fontAlgn="auto" latinLnBrk="0" hangingPunct="1">
+                        <a:lnSpc>
+                          <a:spcPct val="100000"/>
+                        </a:lnSpc>
+                        <a:spcBef>
+                          <a:spcPts val="0"/>
+                        </a:spcBef>
+                        <a:spcAft>
+                          <a:spcPts val="0"/>
+                        </a:spcAft>
+                        <a:buClrTx/>
+                        <a:buSzTx/>
+                        <a:buFontTx/>
+                        <a:buNone/>
+                        <a:tabLst/>
+                        <a:defRPr/>
+                      </a:pPr>
+                      <a:r>
+                        <a:rPr lang="en-US" sz="1800" b="1" dirty="0" smtClean="0">
+                          <a:effectLst/>
+                          <a:latin typeface="+mn-lt"/>
+                          <a:ea typeface="Times New Roman" panose="02020603050405020304" pitchFamily="18" charset="0"/>
+                        </a:rPr>
+                        <a:t>Total</a:t>
+                      </a:r>
+                    </a:p>
+                  </a:txBody>
+                  <a:tcPr anchor="ctr"/>
+                </a:tc>
+                <a:tc>
+                  <a:txBody>
+                    <a:bodyPr/>
+                    <a:lstStyle/>
+                    <a:p>
+                      <a:pPr marL="0" marR="0" indent="0" algn="r" defTabSz="457200" rtl="0" eaLnBrk="1" fontAlgn="auto" latinLnBrk="0" hangingPunct="1">
+                        <a:lnSpc>
+                          <a:spcPct val="100000"/>
+                        </a:lnSpc>
+                        <a:spcBef>
+                          <a:spcPts val="0"/>
+                        </a:spcBef>
+                        <a:spcAft>
+                          <a:spcPts val="0"/>
+                        </a:spcAft>
+                        <a:buClrTx/>
+                        <a:buSzTx/>
+                        <a:buFontTx/>
+                        <a:buNone/>
+                        <a:tabLst/>
+                        <a:defRPr/>
+                      </a:pPr>
+                      <a:r>
+                        <a:rPr lang="en-US" sz="1800" dirty="0" smtClean="0">
+                          <a:effectLst/>
+                          <a:latin typeface="+mn-lt"/>
+                          <a:ea typeface="Times New Roman" panose="02020603050405020304" pitchFamily="18" charset="0"/>
+                        </a:rPr>
+                        <a:t>$602.17</a:t>
+                      </a:r>
+                    </a:p>
+                  </a:txBody>
+                  <a:tcPr anchor="ctr"/>
+                </a:tc>
+              </a:tr>
+            </a:tbl>
+          </a:graphicData>
+        </a:graphic>
+      </p:graphicFrame>
+    </p:spTree>
+    <p:extLst>
+      <p:ext uri="{BB962C8B-B14F-4D97-AF65-F5344CB8AC3E}">
+        <p14:creationId xmlns:p14="http://schemas.microsoft.com/office/powerpoint/2010/main" val="1514337425"/>
+      </p:ext>
+    </p:extLst>
+  </p:cSld>
+  <p:clrMapOvr>
+    <a:masterClrMapping/>
+  </p:clrMapOvr>
+</p:sld>
+</file>
+
+<file path=ppt/slides/slide14.xml><?xml version="1.0" encoding="utf-8"?>
+<p:sld xmlns:a="http://schemas.openxmlformats.org/drawingml/2006/main" xmlns:r="http://schemas.openxmlformats.org/officeDocument/2006/relationships" xmlns:p="http://schemas.openxmlformats.org/presentationml/2006/main">
+  <p:cSld>
+    <p:spTree>
+      <p:nvGrpSpPr>
+        <p:cNvPr id="1" name=""/>
+        <p:cNvGrpSpPr/>
+        <p:nvPr/>
+      </p:nvGrpSpPr>
+      <p:grpSpPr>
+        <a:xfrm>
+          <a:off x="0" y="0"/>
+          <a:ext cx="0" cy="0"/>
+          <a:chOff x="0" y="0"/>
+          <a:chExt cx="0" cy="0"/>
+        </a:xfrm>
+      </p:grpSpPr>
+      <p:sp>
+        <p:nvSpPr>
+          <p:cNvPr id="2" name="Title 1"/>
+          <p:cNvSpPr>
+            <a:spLocks noGrp="1"/>
+          </p:cNvSpPr>
+          <p:nvPr>
+            <p:ph type="title"/>
+          </p:nvPr>
+        </p:nvSpPr>
+        <p:spPr/>
+        <p:txBody>
+          <a:bodyPr/>
+          <a:lstStyle/>
+          <a:p>
+            <a:r>
+              <a:rPr lang="en-US" dirty="0" smtClean="0"/>
+              <a:t>Full System Run</a:t>
+            </a:r>
+            <a:endParaRPr lang="en-US" dirty="0"/>
+          </a:p>
+        </p:txBody>
+      </p:sp>
+      <p:pic>
+        <p:nvPicPr>
+          <p:cNvPr id="4" name="Picture 3"/>
+          <p:cNvPicPr>
+            <a:picLocks noChangeAspect="1"/>
+          </p:cNvPicPr>
+          <p:nvPr/>
+        </p:nvPicPr>
+        <p:blipFill>
+          <a:blip r:embed="rId2" cstate="print">
+            <a:extLst>
+              <a:ext uri="{28A0092B-C50C-407E-A947-70E740481C1C}">
+                <a14:useLocalDpi xmlns:a14="http://schemas.microsoft.com/office/drawing/2010/main" val="0"/>
+              </a:ext>
+            </a:extLst>
+          </a:blip>
+          <a:stretch>
+            <a:fillRect/>
+          </a:stretch>
+        </p:blipFill>
+        <p:spPr>
+          <a:xfrm>
+            <a:off x="2649181" y="1327352"/>
+            <a:ext cx="3926758" cy="5235677"/>
+          </a:xfrm>
+          <a:prstGeom prst="rect">
+            <a:avLst/>
+          </a:prstGeom>
+        </p:spPr>
+      </p:pic>
+    </p:spTree>
+    <p:extLst>
+      <p:ext uri="{BB962C8B-B14F-4D97-AF65-F5344CB8AC3E}">
+        <p14:creationId xmlns:p14="http://schemas.microsoft.com/office/powerpoint/2010/main" val="3934992084"/>
+      </p:ext>
+    </p:extLst>
+  </p:cSld>
+  <p:clrMapOvr>
+    <a:masterClrMapping/>
+  </p:clrMapOvr>
+</p:sld>
+</file>
+
+<file path=ppt/slides/slide15.xml><?xml version="1.0" encoding="utf-8"?>
+<p:sld xmlns:a="http://schemas.openxmlformats.org/drawingml/2006/main" xmlns:r="http://schemas.openxmlformats.org/officeDocument/2006/relationships" xmlns:p="http://schemas.openxmlformats.org/presentationml/2006/main">
+  <p:cSld>
+    <p:spTree>
+      <p:nvGrpSpPr>
+        <p:cNvPr id="1" name=""/>
+        <p:cNvGrpSpPr/>
+        <p:nvPr/>
+      </p:nvGrpSpPr>
+      <p:grpSpPr>
+        <a:xfrm>
+          <a:off x="0" y="0"/>
+          <a:ext cx="0" cy="0"/>
+          <a:chOff x="0" y="0"/>
+          <a:chExt cx="0" cy="0"/>
+        </a:xfrm>
+      </p:grpSpPr>
+      <p:sp>
+        <p:nvSpPr>
+          <p:cNvPr id="2" name="Title 1"/>
+          <p:cNvSpPr>
+            <a:spLocks noGrp="1"/>
+          </p:cNvSpPr>
+          <p:nvPr>
+            <p:ph type="title"/>
+          </p:nvPr>
+        </p:nvSpPr>
+        <p:spPr/>
+        <p:txBody>
+          <a:bodyPr/>
+          <a:lstStyle/>
+          <a:p>
+            <a:r>
+              <a:rPr lang="en-US" dirty="0" smtClean="0"/>
+              <a:t>Test Prints</a:t>
+            </a:r>
+            <a:endParaRPr lang="en-US" dirty="0"/>
+          </a:p>
+        </p:txBody>
+      </p:sp>
+      <p:pic>
+        <p:nvPicPr>
+          <p:cNvPr id="4" name="Picture 3"/>
+          <p:cNvPicPr>
+            <a:picLocks noChangeAspect="1"/>
+          </p:cNvPicPr>
+          <p:nvPr/>
+        </p:nvPicPr>
+        <p:blipFill rotWithShape="1">
+          <a:blip r:embed="rId2" cstate="print">
+            <a:extLst>
+              <a:ext uri="{28A0092B-C50C-407E-A947-70E740481C1C}">
+                <a14:useLocalDpi xmlns:a14="http://schemas.microsoft.com/office/drawing/2010/main" val="0"/>
+              </a:ext>
+            </a:extLst>
+          </a:blip>
+          <a:srcRect t="12205" b="30556"/>
+          <a:stretch/>
+        </p:blipFill>
+        <p:spPr>
+          <a:xfrm>
+            <a:off x="0" y="1338417"/>
+            <a:ext cx="5840361" cy="2507226"/>
+          </a:xfrm>
+          <a:prstGeom prst="rect">
+            <a:avLst/>
+          </a:prstGeom>
+        </p:spPr>
+      </p:pic>
+      <p:pic>
+        <p:nvPicPr>
+          <p:cNvPr id="5" name="Picture 4"/>
+          <p:cNvPicPr>
+            <a:picLocks noChangeAspect="1"/>
+          </p:cNvPicPr>
+          <p:nvPr/>
+        </p:nvPicPr>
+        <p:blipFill rotWithShape="1">
+          <a:blip r:embed="rId3" cstate="print">
+            <a:extLst>
+              <a:ext uri="{28A0092B-C50C-407E-A947-70E740481C1C}">
+                <a14:useLocalDpi xmlns:a14="http://schemas.microsoft.com/office/drawing/2010/main" val="0"/>
+              </a:ext>
+            </a:extLst>
+          </a:blip>
+          <a:srcRect t="17508" b="25253"/>
+          <a:stretch/>
+        </p:blipFill>
+        <p:spPr>
+          <a:xfrm>
+            <a:off x="3303639" y="3875140"/>
+            <a:ext cx="5840361" cy="2507226"/>
+          </a:xfrm>
+          <a:prstGeom prst="rect">
+            <a:avLst/>
+          </a:prstGeom>
+        </p:spPr>
+      </p:pic>
+    </p:spTree>
+    <p:extLst>
+      <p:ext uri="{BB962C8B-B14F-4D97-AF65-F5344CB8AC3E}">
+        <p14:creationId xmlns:p14="http://schemas.microsoft.com/office/powerpoint/2010/main" val="3137105080"/>
+      </p:ext>
+    </p:extLst>
+  </p:cSld>
+  <p:clrMapOvr>
+    <a:masterClrMapping/>
+  </p:clrMapOvr>
+</p:sld>
+</file>
+
+<file path=ppt/slides/slide16.xml><?xml version="1.0" encoding="utf-8"?>
+<p:sld xmlns:a="http://schemas.openxmlformats.org/drawingml/2006/main" xmlns:r="http://schemas.openxmlformats.org/officeDocument/2006/relationships" xmlns:p="http://schemas.openxmlformats.org/presentationml/2006/main">
+  <p:cSld>
+    <p:spTree>
+      <p:nvGrpSpPr>
+        <p:cNvPr id="1" name=""/>
+        <p:cNvGrpSpPr/>
+        <p:nvPr/>
+      </p:nvGrpSpPr>
+      <p:grpSpPr>
+        <a:xfrm>
+          <a:off x="0" y="0"/>
+          <a:ext cx="0" cy="0"/>
+          <a:chOff x="0" y="0"/>
+          <a:chExt cx="0" cy="0"/>
+        </a:xfrm>
+      </p:grpSpPr>
+      <p:pic>
+        <p:nvPicPr>
+          <p:cNvPr id="5" name="Picture 4"/>
+          <p:cNvPicPr>
+            <a:picLocks noChangeAspect="1"/>
+          </p:cNvPicPr>
+          <p:nvPr/>
+        </p:nvPicPr>
+        <p:blipFill rotWithShape="1">
+          <a:blip r:embed="rId2" cstate="print">
+            <a:extLst>
+              <a:ext uri="{28A0092B-C50C-407E-A947-70E740481C1C}">
+                <a14:useLocalDpi xmlns:a14="http://schemas.microsoft.com/office/drawing/2010/main" val="0"/>
+              </a:ext>
+            </a:extLst>
+          </a:blip>
+          <a:srcRect t="13492" b="22311"/>
+          <a:stretch/>
+        </p:blipFill>
+        <p:spPr>
+          <a:xfrm>
+            <a:off x="0" y="1353168"/>
+            <a:ext cx="5574890" cy="2684206"/>
+          </a:xfrm>
+          <a:prstGeom prst="rect">
+            <a:avLst/>
+          </a:prstGeom>
+        </p:spPr>
+      </p:pic>
+      <p:sp>
+        <p:nvSpPr>
+          <p:cNvPr id="2" name="Title 1"/>
+          <p:cNvSpPr>
+            <a:spLocks noGrp="1"/>
+          </p:cNvSpPr>
+          <p:nvPr>
+            <p:ph type="title"/>
+          </p:nvPr>
+        </p:nvSpPr>
+        <p:spPr/>
+        <p:txBody>
+          <a:bodyPr/>
+          <a:lstStyle/>
+          <a:p>
+            <a:endParaRPr lang="en-US"/>
+          </a:p>
+        </p:txBody>
+      </p:sp>
+      <p:pic>
+        <p:nvPicPr>
+          <p:cNvPr id="4" name="Picture 3"/>
+          <p:cNvPicPr>
+            <a:picLocks noChangeAspect="1"/>
+          </p:cNvPicPr>
+          <p:nvPr/>
+        </p:nvPicPr>
+        <p:blipFill rotWithShape="1">
+          <a:blip r:embed="rId3" cstate="print">
+            <a:extLst>
+              <a:ext uri="{28A0092B-C50C-407E-A947-70E740481C1C}">
+                <a14:useLocalDpi xmlns:a14="http://schemas.microsoft.com/office/drawing/2010/main" val="0"/>
+              </a:ext>
+            </a:extLst>
+          </a:blip>
+          <a:srcRect t="16491" b="20106"/>
+          <a:stretch/>
+        </p:blipFill>
+        <p:spPr>
+          <a:xfrm>
+            <a:off x="3569110" y="4037374"/>
+            <a:ext cx="5574890" cy="2651023"/>
+          </a:xfrm>
+          <a:prstGeom prst="rect">
+            <a:avLst/>
+          </a:prstGeom>
+        </p:spPr>
+      </p:pic>
+    </p:spTree>
+    <p:extLst>
+      <p:ext uri="{BB962C8B-B14F-4D97-AF65-F5344CB8AC3E}">
+        <p14:creationId xmlns:p14="http://schemas.microsoft.com/office/powerpoint/2010/main" val="946304658"/>
       </p:ext>
     </p:extLst>
   </p:cSld>
@@ -2085,7 +4548,7 @@
           <a:bodyPr/>
           <a:lstStyle/>
           <a:p>
-            <a:endParaRPr lang="en-US"/>
+            <a:endParaRPr lang="en-US" dirty="0"/>
           </a:p>
         </p:txBody>
       </p:sp>
@@ -2308,9 +4771,116 @@
           </a:xfrm>
         </p:spPr>
         <p:txBody>
-          <a:bodyPr/>
+          <a:bodyPr>
+            <a:normAutofit/>
+          </a:bodyPr>
           <a:lstStyle/>
           <a:p>
+            <a:r>
+              <a:rPr lang="en-US" dirty="0" smtClean="0"/>
+              <a:t>Problem</a:t>
+            </a:r>
+            <a:endParaRPr lang="en-US" dirty="0"/>
+          </a:p>
+        </p:txBody>
+      </p:sp>
+      <p:sp>
+        <p:nvSpPr>
+          <p:cNvPr id="3" name="Content Placeholder 2"/>
+          <p:cNvSpPr>
+            <a:spLocks noGrp="1"/>
+          </p:cNvSpPr>
+          <p:nvPr>
+            <p:ph idx="1"/>
+          </p:nvPr>
+        </p:nvSpPr>
+        <p:spPr/>
+        <p:txBody>
+          <a:bodyPr>
+            <a:normAutofit/>
+          </a:bodyPr>
+          <a:lstStyle/>
+          <a:p>
+            <a:pPr lvl="1" fontAlgn="base"/>
+            <a:r>
+              <a:rPr lang="en-US" dirty="0" smtClean="0"/>
+              <a:t>High </a:t>
+            </a:r>
+            <a:r>
+              <a:rPr lang="en-US" dirty="0"/>
+              <a:t>resolution additive manufacturing is not accessible for hobbyists (under $1,000)</a:t>
+            </a:r>
+          </a:p>
+          <a:p>
+            <a:pPr lvl="1" fontAlgn="base"/>
+            <a:r>
+              <a:rPr lang="en-US" dirty="0"/>
+              <a:t>Current hobbyist 3D printers are imprecise, fault-prone, and poorly documented</a:t>
+            </a:r>
+          </a:p>
+          <a:p>
+            <a:pPr lvl="1" fontAlgn="base"/>
+            <a:r>
+              <a:rPr lang="en-US" dirty="0"/>
+              <a:t>Available PAM systems are inflexible, use proprietary hardware and software</a:t>
+            </a:r>
+          </a:p>
+          <a:p>
+            <a:endParaRPr lang="en-US" dirty="0"/>
+          </a:p>
+        </p:txBody>
+      </p:sp>
+    </p:spTree>
+    <p:extLst>
+      <p:ext uri="{BB962C8B-B14F-4D97-AF65-F5344CB8AC3E}">
+        <p14:creationId xmlns:p14="http://schemas.microsoft.com/office/powerpoint/2010/main" val="4113096442"/>
+      </p:ext>
+    </p:extLst>
+  </p:cSld>
+  <p:clrMapOvr>
+    <a:masterClrMapping/>
+  </p:clrMapOvr>
+</p:sld>
+</file>
+
+<file path=ppt/slides/slide6.xml><?xml version="1.0" encoding="utf-8"?>
+<p:sld xmlns:a="http://schemas.openxmlformats.org/drawingml/2006/main" xmlns:r="http://schemas.openxmlformats.org/officeDocument/2006/relationships" xmlns:p="http://schemas.openxmlformats.org/presentationml/2006/main">
+  <p:cSld>
+    <p:spTree>
+      <p:nvGrpSpPr>
+        <p:cNvPr id="1" name=""/>
+        <p:cNvGrpSpPr/>
+        <p:nvPr/>
+      </p:nvGrpSpPr>
+      <p:grpSpPr>
+        <a:xfrm>
+          <a:off x="0" y="0"/>
+          <a:ext cx="0" cy="0"/>
+          <a:chOff x="0" y="0"/>
+          <a:chExt cx="0" cy="0"/>
+        </a:xfrm>
+      </p:grpSpPr>
+      <p:sp>
+        <p:nvSpPr>
+          <p:cNvPr id="2" name="Title 1"/>
+          <p:cNvSpPr>
+            <a:spLocks noGrp="1"/>
+          </p:cNvSpPr>
+          <p:nvPr>
+            <p:ph type="title"/>
+          </p:nvPr>
+        </p:nvSpPr>
+        <p:spPr/>
+        <p:txBody>
+          <a:bodyPr>
+            <a:normAutofit/>
+          </a:bodyPr>
+          <a:lstStyle/>
+          <a:p>
+            <a:r>
+              <a:rPr lang="en-US" dirty="0" smtClean="0"/>
+              <a:t>Solution</a:t>
+            </a:r>
             <a:endParaRPr lang="en-US" dirty="0"/>
           </a:p>
         </p:txBody>
@@ -2330,14 +4900,593 @@
           <a:bodyPr/>
           <a:lstStyle/>
           <a:p>
-            <a:endParaRPr lang="en-US"/>
+            <a:pPr lvl="1"/>
+            <a:r>
+              <a:rPr lang="en-US" dirty="0" err="1" smtClean="0"/>
+              <a:t>Libre</a:t>
+            </a:r>
+            <a:endParaRPr lang="en-US" dirty="0"/>
+          </a:p>
+          <a:p>
+            <a:pPr lvl="1"/>
+            <a:r>
+              <a:rPr lang="en-US" dirty="0"/>
+              <a:t>Accessible to the hobbyist</a:t>
+            </a:r>
+          </a:p>
+          <a:p>
+            <a:pPr lvl="1"/>
+            <a:r>
+              <a:rPr lang="en-US" dirty="0"/>
+              <a:t>Precise and repeatable</a:t>
+            </a:r>
+          </a:p>
+          <a:p>
+            <a:pPr lvl="1"/>
+            <a:r>
+              <a:rPr lang="en-US" dirty="0"/>
+              <a:t>Flexible for the end user</a:t>
+            </a:r>
+          </a:p>
+          <a:p>
+            <a:pPr lvl="1"/>
+            <a:r>
+              <a:rPr lang="en-US" dirty="0"/>
+              <a:t>Off-the-shelf open-source hardware</a:t>
+            </a:r>
+          </a:p>
+          <a:p>
+            <a:pPr lvl="1"/>
+            <a:r>
+              <a:rPr lang="en-US" dirty="0"/>
+              <a:t>A thoroughly documented reference design</a:t>
+            </a:r>
+          </a:p>
+          <a:p>
+            <a:endParaRPr lang="en-US" dirty="0"/>
           </a:p>
         </p:txBody>
       </p:sp>
     </p:spTree>
     <p:extLst>
       <p:ext uri="{BB962C8B-B14F-4D97-AF65-F5344CB8AC3E}">
-        <p14:creationId xmlns:p14="http://schemas.microsoft.com/office/powerpoint/2010/main" val="4113096442"/>
+        <p14:creationId xmlns:p14="http://schemas.microsoft.com/office/powerpoint/2010/main" val="2718977508"/>
+      </p:ext>
+    </p:extLst>
+  </p:cSld>
+  <p:clrMapOvr>
+    <a:masterClrMapping/>
+  </p:clrMapOvr>
+</p:sld>
+</file>
+
+<file path=ppt/slides/slide7.xml><?xml version="1.0" encoding="utf-8"?>
+<p:sld xmlns:a="http://schemas.openxmlformats.org/drawingml/2006/main" xmlns:r="http://schemas.openxmlformats.org/officeDocument/2006/relationships" xmlns:p="http://schemas.openxmlformats.org/presentationml/2006/main">
+  <p:cSld>
+    <p:spTree>
+      <p:nvGrpSpPr>
+        <p:cNvPr id="1" name=""/>
+        <p:cNvGrpSpPr/>
+        <p:nvPr/>
+      </p:nvGrpSpPr>
+      <p:grpSpPr>
+        <a:xfrm>
+          <a:off x="0" y="0"/>
+          <a:ext cx="0" cy="0"/>
+          <a:chOff x="0" y="0"/>
+          <a:chExt cx="0" cy="0"/>
+        </a:xfrm>
+      </p:grpSpPr>
+      <p:sp>
+        <p:nvSpPr>
+          <p:cNvPr id="2" name="Title 1"/>
+          <p:cNvSpPr>
+            <a:spLocks noGrp="1"/>
+          </p:cNvSpPr>
+          <p:nvPr>
+            <p:ph type="title"/>
+          </p:nvPr>
+        </p:nvSpPr>
+        <p:spPr/>
+        <p:txBody>
+          <a:bodyPr/>
+          <a:lstStyle/>
+          <a:p>
+            <a:r>
+              <a:rPr lang="en-US" dirty="0"/>
+              <a:t>Market Gap</a:t>
+            </a:r>
+          </a:p>
+        </p:txBody>
+      </p:sp>
+      <p:graphicFrame>
+        <p:nvGraphicFramePr>
+          <p:cNvPr id="4" name="Content Placeholder 3"/>
+          <p:cNvGraphicFramePr>
+            <a:graphicFrameLocks noGrp="1"/>
+          </p:cNvGraphicFramePr>
+          <p:nvPr>
+            <p:ph idx="1"/>
+            <p:extLst/>
+          </p:nvPr>
+        </p:nvGraphicFramePr>
+        <p:xfrm>
+          <a:off x="304800" y="1333500"/>
+          <a:ext cx="8572500" cy="5245100"/>
+        </p:xfrm>
+        <a:graphic>
+          <a:graphicData uri="http://schemas.openxmlformats.org/drawingml/2006/chart">
+            <c:chart xmlns:c="http://schemas.openxmlformats.org/drawingml/2006/chart" xmlns:r="http://schemas.openxmlformats.org/officeDocument/2006/relationships" r:id="rId2"/>
+          </a:graphicData>
+        </a:graphic>
+      </p:graphicFrame>
+    </p:spTree>
+    <p:extLst>
+      <p:ext uri="{BB962C8B-B14F-4D97-AF65-F5344CB8AC3E}">
+        <p14:creationId xmlns:p14="http://schemas.microsoft.com/office/powerpoint/2010/main" val="3402476904"/>
+      </p:ext>
+    </p:extLst>
+  </p:cSld>
+  <p:clrMapOvr>
+    <a:masterClrMapping/>
+  </p:clrMapOvr>
+</p:sld>
+</file>
+
+<file path=ppt/slides/slide8.xml><?xml version="1.0" encoding="utf-8"?>
+<p:sld xmlns:a="http://schemas.openxmlformats.org/drawingml/2006/main" xmlns:r="http://schemas.openxmlformats.org/officeDocument/2006/relationships" xmlns:p="http://schemas.openxmlformats.org/presentationml/2006/main">
+  <p:cSld>
+    <p:spTree>
+      <p:nvGrpSpPr>
+        <p:cNvPr id="1" name=""/>
+        <p:cNvGrpSpPr/>
+        <p:nvPr/>
+      </p:nvGrpSpPr>
+      <p:grpSpPr>
+        <a:xfrm>
+          <a:off x="0" y="0"/>
+          <a:ext cx="0" cy="0"/>
+          <a:chOff x="0" y="0"/>
+          <a:chExt cx="0" cy="0"/>
+        </a:xfrm>
+      </p:grpSpPr>
+      <p:sp>
+        <p:nvSpPr>
+          <p:cNvPr id="2" name="Title 1"/>
+          <p:cNvSpPr>
+            <a:spLocks noGrp="1"/>
+          </p:cNvSpPr>
+          <p:nvPr>
+            <p:ph type="title"/>
+          </p:nvPr>
+        </p:nvSpPr>
+        <p:spPr/>
+        <p:txBody>
+          <a:bodyPr/>
+          <a:lstStyle/>
+          <a:p>
+            <a:r>
+              <a:rPr lang="en-US" dirty="0"/>
+              <a:t>Specifications</a:t>
+            </a:r>
+          </a:p>
+        </p:txBody>
+      </p:sp>
+      <p:graphicFrame>
+        <p:nvGraphicFramePr>
+          <p:cNvPr id="4" name="Content Placeholder 4"/>
+          <p:cNvGraphicFramePr>
+            <a:graphicFrameLocks/>
+          </p:cNvGraphicFramePr>
+          <p:nvPr>
+            <p:extLst>
+              <p:ext uri="{D42A27DB-BD31-4B8C-83A1-F6EECF244321}">
+                <p14:modId xmlns:p14="http://schemas.microsoft.com/office/powerpoint/2010/main" val="1519143620"/>
+              </p:ext>
+            </p:extLst>
+          </p:nvPr>
+        </p:nvGraphicFramePr>
+        <p:xfrm>
+          <a:off x="586596" y="1958021"/>
+          <a:ext cx="8246853" cy="3537299"/>
+        </p:xfrm>
+        <a:graphic>
+          <a:graphicData uri="http://schemas.openxmlformats.org/drawingml/2006/table">
+            <a:tbl>
+              <a:tblPr firstRow="1" bandRow="1">
+                <a:tableStyleId>{5C22544A-7EE6-4342-B048-85BDC9FD1C3A}</a:tableStyleId>
+              </a:tblPr>
+              <a:tblGrid>
+                <a:gridCol w="4405862"/>
+                <a:gridCol w="3840991"/>
+              </a:tblGrid>
+              <a:tr h="587055">
+                <a:tc>
+                  <a:txBody>
+                    <a:bodyPr/>
+                    <a:lstStyle/>
+                    <a:p>
+                      <a:pPr algn="ctr"/>
+                      <a:r>
+                        <a:rPr lang="en-US" sz="1700" dirty="0" smtClean="0"/>
+                        <a:t>Geometry</a:t>
+                      </a:r>
+                      <a:endParaRPr lang="en-US" sz="1700" dirty="0"/>
+                    </a:p>
+                  </a:txBody>
+                  <a:tcPr marL="83865" marR="83865" marT="41932" marB="41932" anchor="ctr"/>
+                </a:tc>
+                <a:tc>
+                  <a:txBody>
+                    <a:bodyPr/>
+                    <a:lstStyle/>
+                    <a:p>
+                      <a:pPr algn="ctr"/>
+                      <a:r>
+                        <a:rPr lang="en-US" sz="1700" dirty="0" smtClean="0"/>
+                        <a:t>Dimension/Tolerance</a:t>
+                      </a:r>
+                      <a:endParaRPr lang="en-US" sz="1700" dirty="0"/>
+                    </a:p>
+                  </a:txBody>
+                  <a:tcPr marL="83865" marR="83865" marT="41932" marB="41932" anchor="ctr"/>
+                </a:tc>
+              </a:tr>
+              <a:tr h="587055">
+                <a:tc>
+                  <a:txBody>
+                    <a:bodyPr/>
+                    <a:lstStyle/>
+                    <a:p>
+                      <a:r>
+                        <a:rPr lang="en-US" sz="1700" dirty="0" smtClean="0"/>
+                        <a:t>Build Volume Size</a:t>
+                      </a:r>
+                      <a:endParaRPr lang="en-US" sz="1700" dirty="0"/>
+                    </a:p>
+                  </a:txBody>
+                  <a:tcPr marL="83865" marR="83865" marT="41932" marB="41932" anchor="ctr"/>
+                </a:tc>
+                <a:tc>
+                  <a:txBody>
+                    <a:bodyPr/>
+                    <a:lstStyle/>
+                    <a:p>
+                      <a:pPr algn="r"/>
+                      <a:r>
+                        <a:rPr lang="en-US" sz="1700" dirty="0" smtClean="0"/>
+                        <a:t>192</a:t>
+                      </a:r>
+                      <a:r>
+                        <a:rPr lang="en-US" sz="1700" baseline="0" dirty="0" smtClean="0"/>
+                        <a:t> mm x 216 mm x 216 mm</a:t>
+                      </a:r>
+                      <a:endParaRPr lang="en-US" sz="1700" dirty="0"/>
+                    </a:p>
+                  </a:txBody>
+                  <a:tcPr marL="83865" marR="83865" marT="41932" marB="41932" anchor="ctr"/>
+                </a:tc>
+              </a:tr>
+              <a:tr h="587055">
+                <a:tc>
+                  <a:txBody>
+                    <a:bodyPr/>
+                    <a:lstStyle/>
+                    <a:p>
+                      <a:r>
+                        <a:rPr lang="en-US" sz="1700" dirty="0" smtClean="0"/>
+                        <a:t>X</a:t>
+                      </a:r>
+                      <a:r>
+                        <a:rPr lang="en-US" sz="1700" baseline="0" dirty="0" smtClean="0"/>
+                        <a:t> and Y Axis Resolution</a:t>
+                      </a:r>
+                      <a:endParaRPr lang="en-US" sz="1700" dirty="0"/>
+                    </a:p>
+                  </a:txBody>
+                  <a:tcPr marL="83865" marR="83865" marT="41932" marB="41932" anchor="ctr"/>
+                </a:tc>
+                <a:tc>
+                  <a:txBody>
+                    <a:bodyPr/>
+                    <a:lstStyle/>
+                    <a:p>
+                      <a:pPr algn="r"/>
+                      <a:r>
+                        <a:rPr lang="en-US" sz="1700" dirty="0" smtClean="0"/>
+                        <a:t>0.100 mm</a:t>
+                      </a:r>
+                      <a:endParaRPr lang="en-US" sz="1700" dirty="0"/>
+                    </a:p>
+                  </a:txBody>
+                  <a:tcPr marL="83865" marR="83865" marT="41932" marB="41932" anchor="ctr"/>
+                </a:tc>
+              </a:tr>
+              <a:tr h="587055">
+                <a:tc>
+                  <a:txBody>
+                    <a:bodyPr/>
+                    <a:lstStyle/>
+                    <a:p>
+                      <a:r>
+                        <a:rPr lang="en-US" sz="1700" dirty="0" smtClean="0"/>
+                        <a:t>Minimum</a:t>
+                      </a:r>
+                      <a:r>
+                        <a:rPr lang="en-US" sz="1700" baseline="0" dirty="0" smtClean="0"/>
+                        <a:t> Layer Height</a:t>
+                      </a:r>
+                      <a:endParaRPr lang="en-US" sz="1700" dirty="0"/>
+                    </a:p>
+                  </a:txBody>
+                  <a:tcPr marL="83865" marR="83865" marT="41932" marB="41932" anchor="ctr"/>
+                </a:tc>
+                <a:tc>
+                  <a:txBody>
+                    <a:bodyPr/>
+                    <a:lstStyle/>
+                    <a:p>
+                      <a:pPr marL="0" marR="0" indent="0" algn="r" defTabSz="457200" rtl="0" eaLnBrk="1" fontAlgn="auto" latinLnBrk="0" hangingPunct="1">
+                        <a:lnSpc>
+                          <a:spcPct val="100000"/>
+                        </a:lnSpc>
+                        <a:spcBef>
+                          <a:spcPts val="0"/>
+                        </a:spcBef>
+                        <a:spcAft>
+                          <a:spcPts val="0"/>
+                        </a:spcAft>
+                        <a:buClrTx/>
+                        <a:buSzTx/>
+                        <a:buFontTx/>
+                        <a:buNone/>
+                        <a:tabLst/>
+                        <a:defRPr/>
+                      </a:pPr>
+                      <a:r>
+                        <a:rPr lang="en-US" sz="1700" smtClean="0"/>
+                        <a:t>0.015 ± 0.002 </a:t>
+                      </a:r>
+                      <a:r>
+                        <a:rPr lang="en-US" sz="1700" dirty="0" smtClean="0"/>
+                        <a:t>mm</a:t>
+                      </a:r>
+                    </a:p>
+                  </a:txBody>
+                  <a:tcPr marL="83865" marR="83865" marT="41932" marB="41932" anchor="ctr"/>
+                </a:tc>
+              </a:tr>
+              <a:tr h="587055">
+                <a:tc>
+                  <a:txBody>
+                    <a:bodyPr/>
+                    <a:lstStyle/>
+                    <a:p>
+                      <a:r>
+                        <a:rPr lang="en-US" sz="1700" dirty="0" smtClean="0"/>
+                        <a:t>Parallelism/Perpendicularity of a 20 mm cube</a:t>
+                      </a:r>
+                      <a:endParaRPr lang="en-US" sz="1700" dirty="0"/>
+                    </a:p>
+                  </a:txBody>
+                  <a:tcPr marL="83865" marR="83865" marT="41932" marB="41932" anchor="ctr"/>
+                </a:tc>
+                <a:tc>
+                  <a:txBody>
+                    <a:bodyPr/>
+                    <a:lstStyle/>
+                    <a:p>
+                      <a:pPr algn="r"/>
+                      <a:r>
+                        <a:rPr lang="en-US" sz="1700" dirty="0" smtClean="0"/>
+                        <a:t>0.050 mm</a:t>
+                      </a:r>
+                      <a:endParaRPr lang="en-US" sz="1700" dirty="0"/>
+                    </a:p>
+                  </a:txBody>
+                  <a:tcPr marL="83865" marR="83865" marT="41932" marB="41932" anchor="ctr"/>
+                </a:tc>
+              </a:tr>
+              <a:tr h="587055">
+                <a:tc>
+                  <a:txBody>
+                    <a:bodyPr/>
+                    <a:lstStyle/>
+                    <a:p>
+                      <a:r>
+                        <a:rPr lang="en-US" sz="1700" dirty="0" smtClean="0"/>
+                        <a:t>Dimensional Tolerance</a:t>
+                      </a:r>
+                      <a:r>
+                        <a:rPr lang="en-US" sz="1700" baseline="0" dirty="0" smtClean="0"/>
+                        <a:t> of a 20 mm cube</a:t>
+                      </a:r>
+                      <a:endParaRPr lang="en-US" sz="1700" dirty="0"/>
+                    </a:p>
+                  </a:txBody>
+                  <a:tcPr marL="83865" marR="83865" marT="41932" marB="41932" anchor="ctr"/>
+                </a:tc>
+                <a:tc>
+                  <a:txBody>
+                    <a:bodyPr/>
+                    <a:lstStyle/>
+                    <a:p>
+                      <a:pPr marL="0" marR="0" indent="0" algn="r" defTabSz="457200" rtl="0" eaLnBrk="1" fontAlgn="auto" latinLnBrk="0" hangingPunct="1">
+                        <a:lnSpc>
+                          <a:spcPct val="100000"/>
+                        </a:lnSpc>
+                        <a:spcBef>
+                          <a:spcPts val="0"/>
+                        </a:spcBef>
+                        <a:spcAft>
+                          <a:spcPts val="0"/>
+                        </a:spcAft>
+                        <a:buClrTx/>
+                        <a:buSzTx/>
+                        <a:buFontTx/>
+                        <a:buNone/>
+                        <a:tabLst/>
+                        <a:defRPr/>
+                      </a:pPr>
+                      <a:r>
+                        <a:rPr lang="en-US" sz="1700" dirty="0" smtClean="0"/>
+                        <a:t>± 0.050 mm</a:t>
+                      </a:r>
+                    </a:p>
+                    <a:p>
+                      <a:pPr algn="r"/>
+                      <a:endParaRPr lang="en-US" sz="1700" dirty="0"/>
+                    </a:p>
+                  </a:txBody>
+                  <a:tcPr marL="83865" marR="83865" marT="41932" marB="41932" anchor="ctr"/>
+                </a:tc>
+              </a:tr>
+            </a:tbl>
+          </a:graphicData>
+        </a:graphic>
+      </p:graphicFrame>
+    </p:spTree>
+    <p:extLst>
+      <p:ext uri="{BB962C8B-B14F-4D97-AF65-F5344CB8AC3E}">
+        <p14:creationId xmlns:p14="http://schemas.microsoft.com/office/powerpoint/2010/main" val="643480498"/>
+      </p:ext>
+    </p:extLst>
+  </p:cSld>
+  <p:clrMapOvr>
+    <a:masterClrMapping/>
+  </p:clrMapOvr>
+</p:sld>
+</file>
+
+<file path=ppt/slides/slide9.xml><?xml version="1.0" encoding="utf-8"?>
+<p:sld xmlns:a="http://schemas.openxmlformats.org/drawingml/2006/main" xmlns:r="http://schemas.openxmlformats.org/officeDocument/2006/relationships" xmlns:p="http://schemas.openxmlformats.org/presentationml/2006/main">
+  <p:cSld>
+    <p:spTree>
+      <p:nvGrpSpPr>
+        <p:cNvPr id="1" name=""/>
+        <p:cNvGrpSpPr/>
+        <p:nvPr/>
+      </p:nvGrpSpPr>
+      <p:grpSpPr>
+        <a:xfrm>
+          <a:off x="0" y="0"/>
+          <a:ext cx="0" cy="0"/>
+          <a:chOff x="0" y="0"/>
+          <a:chExt cx="0" cy="0"/>
+        </a:xfrm>
+      </p:grpSpPr>
+      <p:sp>
+        <p:nvSpPr>
+          <p:cNvPr id="2" name="Title 1"/>
+          <p:cNvSpPr>
+            <a:spLocks noGrp="1"/>
+          </p:cNvSpPr>
+          <p:nvPr>
+            <p:ph type="title"/>
+          </p:nvPr>
+        </p:nvSpPr>
+        <p:spPr/>
+        <p:txBody>
+          <a:bodyPr/>
+          <a:lstStyle/>
+          <a:p>
+            <a:r>
+              <a:rPr lang="en-US" dirty="0"/>
+              <a:t>Current Prototype </a:t>
+            </a:r>
+          </a:p>
+        </p:txBody>
+      </p:sp>
+      <p:pic>
+        <p:nvPicPr>
+          <p:cNvPr id="4" name="Content Placeholder 4"/>
+          <p:cNvPicPr>
+            <a:picLocks noGrp="1" noChangeAspect="1"/>
+          </p:cNvPicPr>
+          <p:nvPr>
+            <p:ph idx="1"/>
+          </p:nvPr>
+        </p:nvPicPr>
+        <p:blipFill rotWithShape="1">
+          <a:blip r:embed="rId2">
+            <a:extLst>
+              <a:ext uri="{28A0092B-C50C-407E-A947-70E740481C1C}">
+                <a14:useLocalDpi xmlns:a14="http://schemas.microsoft.com/office/drawing/2010/main" val="0"/>
+              </a:ext>
+            </a:extLst>
+          </a:blip>
+          <a:srcRect l="36248" r="38167"/>
+          <a:stretch/>
+        </p:blipFill>
+        <p:spPr>
+          <a:xfrm>
+            <a:off x="317945" y="1529626"/>
+            <a:ext cx="1991154" cy="4389263"/>
+          </a:xfrm>
+        </p:spPr>
+      </p:pic>
+      <p:pic>
+        <p:nvPicPr>
+          <p:cNvPr id="5" name="Picture 4"/>
+          <p:cNvPicPr>
+            <a:picLocks noChangeAspect="1"/>
+          </p:cNvPicPr>
+          <p:nvPr/>
+        </p:nvPicPr>
+        <p:blipFill rotWithShape="1">
+          <a:blip r:embed="rId3">
+            <a:extLst>
+              <a:ext uri="{28A0092B-C50C-407E-A947-70E740481C1C}">
+                <a14:useLocalDpi xmlns:a14="http://schemas.microsoft.com/office/drawing/2010/main" val="0"/>
+              </a:ext>
+            </a:extLst>
+          </a:blip>
+          <a:srcRect l="27989" r="43223"/>
+          <a:stretch/>
+        </p:blipFill>
+        <p:spPr>
+          <a:xfrm>
+            <a:off x="6559835" y="1529626"/>
+            <a:ext cx="2240402" cy="4389263"/>
+          </a:xfrm>
+          <a:prstGeom prst="rect">
+            <a:avLst/>
+          </a:prstGeom>
+        </p:spPr>
+      </p:pic>
+      <p:pic>
+        <p:nvPicPr>
+          <p:cNvPr id="6" name="Picture 5"/>
+          <p:cNvPicPr>
+            <a:picLocks noChangeAspect="1"/>
+          </p:cNvPicPr>
+          <p:nvPr/>
+        </p:nvPicPr>
+        <p:blipFill rotWithShape="1">
+          <a:blip r:embed="rId4" cstate="print">
+            <a:extLst>
+              <a:ext uri="{28A0092B-C50C-407E-A947-70E740481C1C}">
+                <a14:useLocalDpi xmlns:a14="http://schemas.microsoft.com/office/drawing/2010/main" val="0"/>
+              </a:ext>
+            </a:extLst>
+          </a:blip>
+          <a:srcRect l="35646" r="34051"/>
+          <a:stretch/>
+        </p:blipFill>
+        <p:spPr>
+          <a:xfrm>
+            <a:off x="3241363" y="1529627"/>
+            <a:ext cx="2364586" cy="4389262"/>
+          </a:xfrm>
+          <a:prstGeom prst="rect">
+            <a:avLst/>
+          </a:prstGeom>
+        </p:spPr>
+      </p:pic>
+    </p:spTree>
+    <p:extLst>
+      <p:ext uri="{BB962C8B-B14F-4D97-AF65-F5344CB8AC3E}">
+        <p14:creationId xmlns:p14="http://schemas.microsoft.com/office/powerpoint/2010/main" val="2760409342"/>
       </p:ext>
     </p:extLst>
   </p:cSld>
